--- a/Slide/apresentação NTM.pptx
+++ b/Slide/apresentação NTM.pptx
@@ -5,10 +5,10 @@
     <p:sldMasterId id="2147483660" r:id="rId4"/>
   </p:sldMasterIdLst>
   <p:notesMasterIdLst>
-    <p:notesMasterId r:id="rId72"/>
+    <p:notesMasterId r:id="rId73"/>
   </p:notesMasterIdLst>
   <p:handoutMasterIdLst>
-    <p:handoutMasterId r:id="rId73"/>
+    <p:handoutMasterId r:id="rId74"/>
   </p:handoutMasterIdLst>
   <p:sldIdLst>
     <p:sldId id="278" r:id="rId5"/>
@@ -41,43 +41,44 @@
     <p:sldId id="303" r:id="rId32"/>
     <p:sldId id="304" r:id="rId33"/>
     <p:sldId id="307" r:id="rId34"/>
-    <p:sldId id="308" r:id="rId35"/>
-    <p:sldId id="309" r:id="rId36"/>
-    <p:sldId id="311" r:id="rId37"/>
-    <p:sldId id="312" r:id="rId38"/>
-    <p:sldId id="313" r:id="rId39"/>
-    <p:sldId id="324" r:id="rId40"/>
-    <p:sldId id="346" r:id="rId41"/>
-    <p:sldId id="347" r:id="rId42"/>
-    <p:sldId id="314" r:id="rId43"/>
-    <p:sldId id="315" r:id="rId44"/>
-    <p:sldId id="317" r:id="rId45"/>
-    <p:sldId id="318" r:id="rId46"/>
-    <p:sldId id="319" r:id="rId47"/>
-    <p:sldId id="340" r:id="rId48"/>
-    <p:sldId id="320" r:id="rId49"/>
-    <p:sldId id="321" r:id="rId50"/>
-    <p:sldId id="322" r:id="rId51"/>
-    <p:sldId id="323" r:id="rId52"/>
-    <p:sldId id="348" r:id="rId53"/>
-    <p:sldId id="349" r:id="rId54"/>
-    <p:sldId id="326" r:id="rId55"/>
-    <p:sldId id="325" r:id="rId56"/>
-    <p:sldId id="328" r:id="rId57"/>
-    <p:sldId id="327" r:id="rId58"/>
-    <p:sldId id="329" r:id="rId59"/>
-    <p:sldId id="330" r:id="rId60"/>
-    <p:sldId id="335" r:id="rId61"/>
-    <p:sldId id="336" r:id="rId62"/>
+    <p:sldId id="352" r:id="rId35"/>
+    <p:sldId id="308" r:id="rId36"/>
+    <p:sldId id="309" r:id="rId37"/>
+    <p:sldId id="311" r:id="rId38"/>
+    <p:sldId id="312" r:id="rId39"/>
+    <p:sldId id="313" r:id="rId40"/>
+    <p:sldId id="324" r:id="rId41"/>
+    <p:sldId id="346" r:id="rId42"/>
+    <p:sldId id="347" r:id="rId43"/>
+    <p:sldId id="314" r:id="rId44"/>
+    <p:sldId id="315" r:id="rId45"/>
+    <p:sldId id="317" r:id="rId46"/>
+    <p:sldId id="318" r:id="rId47"/>
+    <p:sldId id="319" r:id="rId48"/>
+    <p:sldId id="340" r:id="rId49"/>
+    <p:sldId id="320" r:id="rId50"/>
+    <p:sldId id="321" r:id="rId51"/>
+    <p:sldId id="322" r:id="rId52"/>
+    <p:sldId id="323" r:id="rId53"/>
+    <p:sldId id="348" r:id="rId54"/>
+    <p:sldId id="349" r:id="rId55"/>
+    <p:sldId id="326" r:id="rId56"/>
+    <p:sldId id="336" r:id="rId57"/>
+    <p:sldId id="328" r:id="rId58"/>
+    <p:sldId id="327" r:id="rId59"/>
+    <p:sldId id="329" r:id="rId60"/>
+    <p:sldId id="330" r:id="rId61"/>
+    <p:sldId id="350" r:id="rId62"/>
     <p:sldId id="337" r:id="rId63"/>
     <p:sldId id="338" r:id="rId64"/>
     <p:sldId id="334" r:id="rId65"/>
     <p:sldId id="339" r:id="rId66"/>
-    <p:sldId id="331" r:id="rId67"/>
-    <p:sldId id="332" r:id="rId68"/>
-    <p:sldId id="344" r:id="rId69"/>
-    <p:sldId id="333" r:id="rId70"/>
-    <p:sldId id="301" r:id="rId71"/>
+    <p:sldId id="351" r:id="rId67"/>
+    <p:sldId id="331" r:id="rId68"/>
+    <p:sldId id="332" r:id="rId69"/>
+    <p:sldId id="344" r:id="rId70"/>
+    <p:sldId id="333" r:id="rId71"/>
+    <p:sldId id="301" r:id="rId72"/>
   </p:sldIdLst>
   <p:sldSz cx="12192000" cy="6858000"/>
   <p:notesSz cx="6858000" cy="9144000"/>
@@ -279,7 +280,7 @@
           <a:p>
             <a:fld id="{CAF05132-4288-4164-B1CA-F5AC1CC796A7}" type="datetime1">
               <a:rPr lang="pt-BR" smtClean="0"/>
-              <a:t>01/07/2025</a:t>
+              <a:t>05/07/2025</a:t>
             </a:fld>
             <a:endParaRPr lang="pt-BR" dirty="0"/>
           </a:p>
@@ -447,7 +448,7 @@
             <a:pPr rtl="0"/>
             <a:fld id="{437FA0DA-72A3-424F-8A35-066434C5B9F1}" type="datetime1">
               <a:rPr lang="pt-BR" noProof="0" smtClean="0"/>
-              <a:t>01/07/2025</a:t>
+              <a:t>05/07/2025</a:t>
             </a:fld>
             <a:endParaRPr lang="pt-BR" noProof="0" dirty="0"/>
           </a:p>
@@ -1306,7 +1307,7 @@
             <a:pPr rtl="0"/>
             <a:fld id="{AE2345BF-4DE8-4B26-A57D-B4C38ECB29EA}" type="datetime1">
               <a:rPr lang="pt-BR" noProof="0" smtClean="0"/>
-              <a:t>01/07/2025</a:t>
+              <a:t>05/07/2025</a:t>
             </a:fld>
             <a:endParaRPr lang="pt-BR" noProof="0" dirty="0"/>
           </a:p>
@@ -1616,7 +1617,7 @@
             <a:pPr rtl="0"/>
             <a:fld id="{C56FAE58-FA47-4187-9F3B-96493BA01E9B}" type="datetime1">
               <a:rPr lang="pt-BR" noProof="0" smtClean="0"/>
-              <a:t>01/07/2025</a:t>
+              <a:t>05/07/2025</a:t>
             </a:fld>
             <a:endParaRPr lang="pt-BR" noProof="0" dirty="0"/>
           </a:p>
@@ -1814,7 +1815,7 @@
             <a:pPr rtl="0"/>
             <a:fld id="{485424F1-EF61-4CF1-BFE3-0AA6ACCF8507}" type="datetime1">
               <a:rPr lang="pt-BR" noProof="0" smtClean="0"/>
-              <a:t>01/07/2025</a:t>
+              <a:t>05/07/2025</a:t>
             </a:fld>
             <a:endParaRPr lang="pt-BR" noProof="0" dirty="0"/>
           </a:p>
@@ -2081,7 +2082,7 @@
             <a:pPr rtl="0"/>
             <a:fld id="{AF8C3C74-10C9-4873-AC9B-9B67F05FA094}" type="datetime1">
               <a:rPr lang="pt-BR" noProof="0" smtClean="0"/>
-              <a:t>01/07/2025</a:t>
+              <a:t>05/07/2025</a:t>
             </a:fld>
             <a:endParaRPr lang="pt-BR" noProof="0" dirty="0"/>
           </a:p>
@@ -2521,7 +2522,7 @@
             <a:pPr rtl="0"/>
             <a:fld id="{777EFF33-1330-4754-A7B8-F393A71E185E}" type="datetime1">
               <a:rPr lang="pt-BR" noProof="0" smtClean="0"/>
-              <a:t>01/07/2025</a:t>
+              <a:t>05/07/2025</a:t>
             </a:fld>
             <a:endParaRPr lang="pt-BR" noProof="0" dirty="0"/>
           </a:p>
@@ -3062,7 +3063,7 @@
             <a:pPr rtl="0"/>
             <a:fld id="{270385F6-4F17-41AF-9B97-CDB5BDEE6AE3}" type="datetime1">
               <a:rPr lang="pt-BR" noProof="0" smtClean="0"/>
-              <a:t>01/07/2025</a:t>
+              <a:t>05/07/2025</a:t>
             </a:fld>
             <a:endParaRPr lang="pt-BR" noProof="0" dirty="0"/>
           </a:p>
@@ -3951,7 +3952,7 @@
             <a:pPr rtl="0"/>
             <a:fld id="{35BD8B73-8F10-4CB8-A653-DE9FC5678B68}" type="datetime1">
               <a:rPr lang="pt-BR" noProof="0" smtClean="0"/>
-              <a:t>01/07/2025</a:t>
+              <a:t>05/07/2025</a:t>
             </a:fld>
             <a:endParaRPr lang="pt-BR" noProof="0" dirty="0"/>
           </a:p>
@@ -4125,7 +4126,7 @@
             <a:pPr rtl="0"/>
             <a:fld id="{135A8651-28C1-4C62-B092-CAC5B9AFCFCB}" type="datetime1">
               <a:rPr lang="pt-BR" noProof="0" smtClean="0"/>
-              <a:t>01/07/2025</a:t>
+              <a:t>05/07/2025</a:t>
             </a:fld>
             <a:endParaRPr lang="pt-BR" noProof="0" dirty="0"/>
           </a:p>
@@ -4373,7 +4374,7 @@
             <a:pPr rtl="0"/>
             <a:fld id="{888010A4-D2B2-4307-9A0D-0B3B0B63047B}" type="datetime1">
               <a:rPr lang="pt-BR" noProof="0" smtClean="0"/>
-              <a:t>01/07/2025</a:t>
+              <a:t>05/07/2025</a:t>
             </a:fld>
             <a:endParaRPr lang="pt-BR" noProof="0" dirty="0"/>
           </a:p>
@@ -4619,7 +4620,7 @@
             <a:pPr rtl="0"/>
             <a:fld id="{4EC750BF-6D3A-4B37-AED7-9041605F07DE}" type="datetime1">
               <a:rPr lang="pt-BR" noProof="0" smtClean="0"/>
-              <a:t>01/07/2025</a:t>
+              <a:t>05/07/2025</a:t>
             </a:fld>
             <a:endParaRPr lang="pt-BR" noProof="0" dirty="0"/>
           </a:p>
@@ -5106,7 +5107,7 @@
             <a:pPr rtl="0"/>
             <a:fld id="{CC926D74-43D6-4E6C-B1FF-1F38009ABF1F}" type="datetime1">
               <a:rPr lang="pt-BR" noProof="0" smtClean="0"/>
-              <a:t>01/07/2025</a:t>
+              <a:t>05/07/2025</a:t>
             </a:fld>
             <a:endParaRPr lang="pt-BR" noProof="0" dirty="0"/>
           </a:p>
@@ -5228,7 +5229,7 @@
             <a:pPr rtl="0"/>
             <a:fld id="{60B90172-1291-4027-BC0B-0D976AF67FB6}" type="datetime1">
               <a:rPr lang="pt-BR" noProof="0" smtClean="0"/>
-              <a:t>01/07/2025</a:t>
+              <a:t>05/07/2025</a:t>
             </a:fld>
             <a:endParaRPr lang="pt-BR" noProof="0" dirty="0"/>
           </a:p>
@@ -5326,7 +5327,7 @@
             <a:pPr rtl="0"/>
             <a:fld id="{0D270119-3D0A-47C0-AB7E-3608195CA279}" type="datetime1">
               <a:rPr lang="pt-BR" noProof="0" smtClean="0"/>
-              <a:t>01/07/2025</a:t>
+              <a:t>05/07/2025</a:t>
             </a:fld>
             <a:endParaRPr lang="pt-BR" noProof="0" dirty="0"/>
           </a:p>
@@ -5585,7 +5586,7 @@
             <a:pPr rtl="0"/>
             <a:fld id="{6E9D2BF6-D197-40F2-9FC8-4C26302BC8BE}" type="datetime1">
               <a:rPr lang="pt-BR" noProof="0" smtClean="0"/>
-              <a:t>01/07/2025</a:t>
+              <a:t>05/07/2025</a:t>
             </a:fld>
             <a:endParaRPr lang="pt-BR" noProof="0" dirty="0"/>
           </a:p>
@@ -5897,7 +5898,7 @@
             <a:pPr rtl="0"/>
             <a:fld id="{37249350-A084-4223-B476-841F7DD9C890}" type="datetime1">
               <a:rPr lang="pt-BR" noProof="0" smtClean="0"/>
-              <a:t>01/07/2025</a:t>
+              <a:t>05/07/2025</a:t>
             </a:fld>
             <a:endParaRPr lang="pt-BR" noProof="0" dirty="0"/>
           </a:p>
@@ -6133,7 +6134,7 @@
             <a:pPr rtl="0"/>
             <a:fld id="{229BD01A-3B20-4FBD-A43B-36F09E804C84}" type="datetime1">
               <a:rPr lang="pt-BR" noProof="0" smtClean="0"/>
-              <a:t>01/07/2025</a:t>
+              <a:t>05/07/2025</a:t>
             </a:fld>
             <a:endParaRPr lang="pt-BR" noProof="0" dirty="0"/>
           </a:p>
@@ -12444,6 +12445,133 @@
         <p:cNvPr id="1" name="">
           <a:extLst>
             <a:ext uri="{FF2B5EF4-FFF2-40B4-BE49-F238E27FC236}">
+              <a16:creationId xmlns:a16="http://schemas.microsoft.com/office/drawing/2014/main" id="{D71DF418-4663-391E-DC5C-60A98B842AFB}"/>
+            </a:ext>
+          </a:extLst>
+        </p:cNvPr>
+        <p:cNvGrpSpPr/>
+        <p:nvPr/>
+      </p:nvGrpSpPr>
+      <p:grpSpPr>
+        <a:xfrm>
+          <a:off x="0" y="0"/>
+          <a:ext cx="0" cy="0"/>
+          <a:chOff x="0" y="0"/>
+          <a:chExt cx="0" cy="0"/>
+        </a:xfrm>
+      </p:grpSpPr>
+      <p:sp>
+        <p:nvSpPr>
+          <p:cNvPr id="5" name="Título 4">
+            <a:extLst>
+              <a:ext uri="{FF2B5EF4-FFF2-40B4-BE49-F238E27FC236}">
+                <a16:creationId xmlns:a16="http://schemas.microsoft.com/office/drawing/2014/main" id="{568F65FE-1A93-DC50-F866-8EBE7ADE21F6}"/>
+              </a:ext>
+            </a:extLst>
+          </p:cNvPr>
+          <p:cNvSpPr>
+            <a:spLocks noGrp="1"/>
+          </p:cNvSpPr>
+          <p:nvPr>
+            <p:ph type="title"/>
+          </p:nvPr>
+        </p:nvSpPr>
+        <p:spPr/>
+        <p:txBody>
+          <a:bodyPr/>
+          <a:lstStyle/>
+          <a:p>
+            <a:r>
+              <a:rPr lang="pt-BR" dirty="0"/>
+              <a:t>Arquitetura da NTM</a:t>
+            </a:r>
+          </a:p>
+        </p:txBody>
+      </p:sp>
+      <p:sp>
+        <p:nvSpPr>
+          <p:cNvPr id="4" name="Espaço Reservado para Número de Slide 3">
+            <a:extLst>
+              <a:ext uri="{FF2B5EF4-FFF2-40B4-BE49-F238E27FC236}">
+                <a16:creationId xmlns:a16="http://schemas.microsoft.com/office/drawing/2014/main" id="{7489B8AE-37EB-20EF-4DA3-6CE6F1D70508}"/>
+              </a:ext>
+            </a:extLst>
+          </p:cNvPr>
+          <p:cNvSpPr>
+            <a:spLocks noGrp="1"/>
+          </p:cNvSpPr>
+          <p:nvPr>
+            <p:ph type="sldNum" sz="quarter" idx="12"/>
+          </p:nvPr>
+        </p:nvSpPr>
+        <p:spPr/>
+        <p:txBody>
+          <a:bodyPr/>
+          <a:lstStyle/>
+          <a:p>
+            <a:pPr rtl="0"/>
+            <a:fld id="{3A98EE3D-8CD1-4C3F-BD1C-C98C9596463C}" type="slidenum">
+              <a:rPr lang="pt-BR" noProof="0" smtClean="0"/>
+              <a:pPr rtl="0"/>
+              <a:t>31</a:t>
+            </a:fld>
+            <a:endParaRPr lang="pt-BR" noProof="0" dirty="0"/>
+          </a:p>
+        </p:txBody>
+      </p:sp>
+      <p:pic>
+        <p:nvPicPr>
+          <p:cNvPr id="14" name="Imagem 13">
+            <a:extLst>
+              <a:ext uri="{FF2B5EF4-FFF2-40B4-BE49-F238E27FC236}">
+                <a16:creationId xmlns:a16="http://schemas.microsoft.com/office/drawing/2014/main" id="{7A820BA9-7C6B-4BF4-1525-DCCB729D741C}"/>
+              </a:ext>
+            </a:extLst>
+          </p:cNvPr>
+          <p:cNvPicPr>
+            <a:picLocks noChangeAspect="1"/>
+          </p:cNvPicPr>
+          <p:nvPr/>
+        </p:nvPicPr>
+        <p:blipFill>
+          <a:blip r:embed="rId2">
+            <a:lum bright="70000" contrast="-70000"/>
+          </a:blip>
+          <a:stretch>
+            <a:fillRect/>
+          </a:stretch>
+        </p:blipFill>
+        <p:spPr>
+          <a:xfrm>
+            <a:off x="133496" y="2748777"/>
+            <a:ext cx="11914360" cy="1103471"/>
+          </a:xfrm>
+          <a:prstGeom prst="rect">
+            <a:avLst/>
+          </a:prstGeom>
+        </p:spPr>
+      </p:pic>
+    </p:spTree>
+    <p:extLst>
+      <p:ext uri="{BB962C8B-B14F-4D97-AF65-F5344CB8AC3E}">
+        <p14:creationId xmlns:p14="http://schemas.microsoft.com/office/powerpoint/2010/main" val="732855664"/>
+      </p:ext>
+    </p:extLst>
+  </p:cSld>
+  <p:clrMapOvr>
+    <a:masterClrMapping/>
+  </p:clrMapOvr>
+</p:sld>
+</file>
+
+<file path=ppt/slides/slide32.xml><?xml version="1.0" encoding="utf-8"?>
+<p:sld xmlns:a="http://schemas.openxmlformats.org/drawingml/2006/main" xmlns:r="http://schemas.openxmlformats.org/officeDocument/2006/relationships" xmlns:p="http://schemas.openxmlformats.org/presentationml/2006/main">
+  <p:cSld>
+    <p:spTree>
+      <p:nvGrpSpPr>
+        <p:cNvPr id="1" name="">
+          <a:extLst>
+            <a:ext uri="{FF2B5EF4-FFF2-40B4-BE49-F238E27FC236}">
               <a16:creationId xmlns:a16="http://schemas.microsoft.com/office/drawing/2014/main" id="{BF4903C0-CC08-7798-6483-8E1F1179DFFD}"/>
             </a:ext>
           </a:extLst>
@@ -12539,7 +12667,7 @@
             <a:pPr rtl="0"/>
             <a:fld id="{3A98EE3D-8CD1-4C3F-BD1C-C98C9596463C}" type="slidenum">
               <a:rPr lang="pt-BR" noProof="0" smtClean="0"/>
-              <a:t>31</a:t>
+              <a:t>32</a:t>
             </a:fld>
             <a:endParaRPr lang="pt-BR" noProof="0" dirty="0"/>
           </a:p>
@@ -12558,7 +12686,7 @@
 </p:sld>
 </file>
 
-<file path=ppt/slides/slide32.xml><?xml version="1.0" encoding="utf-8"?>
+<file path=ppt/slides/slide33.xml><?xml version="1.0" encoding="utf-8"?>
 <p:sld xmlns:a="http://schemas.openxmlformats.org/drawingml/2006/main" xmlns:r="http://schemas.openxmlformats.org/officeDocument/2006/relationships" xmlns:p="http://schemas.openxmlformats.org/presentationml/2006/main">
   <p:cSld>
     <p:spTree>
@@ -12770,7 +12898,7 @@
             <a:fld id="{3A98EE3D-8CD1-4C3F-BD1C-C98C9596463C}" type="slidenum">
               <a:rPr lang="pt-BR" noProof="0" smtClean="0"/>
               <a:pPr rtl="0"/>
-              <a:t>32</a:t>
+              <a:t>33</a:t>
             </a:fld>
             <a:endParaRPr lang="pt-BR" noProof="0" dirty="0"/>
           </a:p>
@@ -12789,7 +12917,7 @@
 </p:sld>
 </file>
 
-<file path=ppt/slides/slide33.xml><?xml version="1.0" encoding="utf-8"?>
+<file path=ppt/slides/slide34.xml><?xml version="1.0" encoding="utf-8"?>
 <p:sld xmlns:a="http://schemas.openxmlformats.org/drawingml/2006/main" xmlns:r="http://schemas.openxmlformats.org/officeDocument/2006/relationships" xmlns:p="http://schemas.openxmlformats.org/presentationml/2006/main">
   <p:cSld>
     <p:spTree>
@@ -12937,7 +13065,7 @@
             <a:fld id="{3A98EE3D-8CD1-4C3F-BD1C-C98C9596463C}" type="slidenum">
               <a:rPr lang="pt-BR" noProof="0" smtClean="0"/>
               <a:pPr rtl="0"/>
-              <a:t>33</a:t>
+              <a:t>34</a:t>
             </a:fld>
             <a:endParaRPr lang="pt-BR" noProof="0" dirty="0"/>
           </a:p>
@@ -12956,7 +13084,7 @@
 </p:sld>
 </file>
 
-<file path=ppt/slides/slide34.xml><?xml version="1.0" encoding="utf-8"?>
+<file path=ppt/slides/slide35.xml><?xml version="1.0" encoding="utf-8"?>
 <p:sld xmlns:a="http://schemas.openxmlformats.org/drawingml/2006/main" xmlns:r="http://schemas.openxmlformats.org/officeDocument/2006/relationships" xmlns:p="http://schemas.openxmlformats.org/presentationml/2006/main">
   <p:cSld>
     <p:spTree>
@@ -13110,7 +13238,7 @@
             <a:fld id="{3A98EE3D-8CD1-4C3F-BD1C-C98C9596463C}" type="slidenum">
               <a:rPr lang="pt-BR" noProof="0" smtClean="0"/>
               <a:pPr rtl="0"/>
-              <a:t>34</a:t>
+              <a:t>35</a:t>
             </a:fld>
             <a:endParaRPr lang="pt-BR" noProof="0" dirty="0"/>
           </a:p>
@@ -13129,7 +13257,7 @@
 </p:sld>
 </file>
 
-<file path=ppt/slides/slide35.xml><?xml version="1.0" encoding="utf-8"?>
+<file path=ppt/slides/slide36.xml><?xml version="1.0" encoding="utf-8"?>
 <p:sld xmlns:a="http://schemas.openxmlformats.org/drawingml/2006/main" xmlns:r="http://schemas.openxmlformats.org/officeDocument/2006/relationships" xmlns:p="http://schemas.openxmlformats.org/presentationml/2006/main">
   <p:cSld>
     <p:spTree>
@@ -13400,7 +13528,7 @@
             <a:fld id="{3A98EE3D-8CD1-4C3F-BD1C-C98C9596463C}" type="slidenum">
               <a:rPr lang="pt-BR" noProof="0" smtClean="0"/>
               <a:pPr rtl="0"/>
-              <a:t>35</a:t>
+              <a:t>36</a:t>
             </a:fld>
             <a:endParaRPr lang="pt-BR" noProof="0" dirty="0"/>
           </a:p>
@@ -13419,7 +13547,7 @@
 </p:sld>
 </file>
 
-<file path=ppt/slides/slide36.xml><?xml version="1.0" encoding="utf-8"?>
+<file path=ppt/slides/slide37.xml><?xml version="1.0" encoding="utf-8"?>
 <p:sld xmlns:a="http://schemas.openxmlformats.org/drawingml/2006/main" xmlns:r="http://schemas.openxmlformats.org/officeDocument/2006/relationships" xmlns:p="http://schemas.openxmlformats.org/presentationml/2006/main">
   <p:cSld>
     <p:spTree>
@@ -13558,7 +13686,7 @@
             <a:pPr rtl="0"/>
             <a:fld id="{3A98EE3D-8CD1-4C3F-BD1C-C98C9596463C}" type="slidenum">
               <a:rPr lang="pt-BR" noProof="0" smtClean="0"/>
-              <a:t>36</a:t>
+              <a:t>37</a:t>
             </a:fld>
             <a:endParaRPr lang="pt-BR" noProof="0" dirty="0"/>
           </a:p>
@@ -13614,7 +13742,7 @@
 </p:sld>
 </file>
 
-<file path=ppt/slides/slide37.xml><?xml version="1.0" encoding="utf-8"?>
+<file path=ppt/slides/slide38.xml><?xml version="1.0" encoding="utf-8"?>
 <p:sld xmlns:a="http://schemas.openxmlformats.org/drawingml/2006/main" xmlns:r="http://schemas.openxmlformats.org/officeDocument/2006/relationships" xmlns:p="http://schemas.openxmlformats.org/presentationml/2006/main">
   <p:cSld>
     <p:spTree>
@@ -14147,7 +14275,7 @@
             <a:pPr rtl="0"/>
             <a:fld id="{3A98EE3D-8CD1-4C3F-BD1C-C98C9596463C}" type="slidenum">
               <a:rPr lang="pt-BR" noProof="0" smtClean="0"/>
-              <a:t>37</a:t>
+              <a:t>38</a:t>
             </a:fld>
             <a:endParaRPr lang="pt-BR" noProof="0"/>
           </a:p>
@@ -14166,7 +14294,7 @@
 </p:sld>
 </file>
 
-<file path=ppt/slides/slide38.xml><?xml version="1.0" encoding="utf-8"?>
+<file path=ppt/slides/slide39.xml><?xml version="1.0" encoding="utf-8"?>
 <p:sld xmlns:a="http://schemas.openxmlformats.org/drawingml/2006/main" xmlns:r="http://schemas.openxmlformats.org/officeDocument/2006/relationships" xmlns:p="http://schemas.openxmlformats.org/presentationml/2006/main">
   <p:cSld>
     <p:spTree>
@@ -14688,7 +14816,7 @@
             <a:pPr rtl="0"/>
             <a:fld id="{3A98EE3D-8CD1-4C3F-BD1C-C98C9596463C}" type="slidenum">
               <a:rPr lang="pt-BR" noProof="0" smtClean="0"/>
-              <a:t>38</a:t>
+              <a:t>39</a:t>
             </a:fld>
             <a:endParaRPr lang="pt-BR" noProof="0"/>
           </a:p>
@@ -14698,128 +14826,6 @@
     <p:extLst>
       <p:ext uri="{BB962C8B-B14F-4D97-AF65-F5344CB8AC3E}">
         <p14:creationId xmlns:p14="http://schemas.microsoft.com/office/powerpoint/2010/main" val="1223473821"/>
-      </p:ext>
-    </p:extLst>
-  </p:cSld>
-  <p:clrMapOvr>
-    <a:masterClrMapping/>
-  </p:clrMapOvr>
-</p:sld>
-</file>
-
-<file path=ppt/slides/slide39.xml><?xml version="1.0" encoding="utf-8"?>
-<p:sld xmlns:a="http://schemas.openxmlformats.org/drawingml/2006/main" xmlns:r="http://schemas.openxmlformats.org/officeDocument/2006/relationships" xmlns:p="http://schemas.openxmlformats.org/presentationml/2006/main">
-  <p:cSld>
-    <p:spTree>
-      <p:nvGrpSpPr>
-        <p:cNvPr id="1" name="">
-          <a:extLst>
-            <a:ext uri="{FF2B5EF4-FFF2-40B4-BE49-F238E27FC236}">
-              <a16:creationId xmlns:a16="http://schemas.microsoft.com/office/drawing/2014/main" id="{0B2F2766-7212-86D7-1F14-AC12671953A2}"/>
-            </a:ext>
-          </a:extLst>
-        </p:cNvPr>
-        <p:cNvGrpSpPr/>
-        <p:nvPr/>
-      </p:nvGrpSpPr>
-      <p:grpSpPr>
-        <a:xfrm>
-          <a:off x="0" y="0"/>
-          <a:ext cx="0" cy="0"/>
-          <a:chOff x="0" y="0"/>
-          <a:chExt cx="0" cy="0"/>
-        </a:xfrm>
-      </p:grpSpPr>
-      <p:sp>
-        <p:nvSpPr>
-          <p:cNvPr id="5" name="Título 4">
-            <a:extLst>
-              <a:ext uri="{FF2B5EF4-FFF2-40B4-BE49-F238E27FC236}">
-                <a16:creationId xmlns:a16="http://schemas.microsoft.com/office/drawing/2014/main" id="{EAB00DD8-589C-C9E9-61E6-DA94B602015D}"/>
-              </a:ext>
-            </a:extLst>
-          </p:cNvPr>
-          <p:cNvSpPr>
-            <a:spLocks noGrp="1"/>
-          </p:cNvSpPr>
-          <p:nvPr>
-            <p:ph type="title"/>
-          </p:nvPr>
-        </p:nvSpPr>
-        <p:spPr/>
-        <p:txBody>
-          <a:bodyPr/>
-          <a:lstStyle/>
-          <a:p>
-            <a:r>
-              <a:rPr lang="pt-BR" dirty="0"/>
-              <a:t>Treinamento</a:t>
-            </a:r>
-          </a:p>
-        </p:txBody>
-      </p:sp>
-      <p:sp>
-        <p:nvSpPr>
-          <p:cNvPr id="6" name="Espaço Reservado para Texto 5">
-            <a:extLst>
-              <a:ext uri="{FF2B5EF4-FFF2-40B4-BE49-F238E27FC236}">
-                <a16:creationId xmlns:a16="http://schemas.microsoft.com/office/drawing/2014/main" id="{7B533EDE-1882-5177-C4FB-7D241D3647C2}"/>
-              </a:ext>
-            </a:extLst>
-          </p:cNvPr>
-          <p:cNvSpPr>
-            <a:spLocks noGrp="1"/>
-          </p:cNvSpPr>
-          <p:nvPr>
-            <p:ph type="body" idx="1"/>
-          </p:nvPr>
-        </p:nvSpPr>
-        <p:spPr/>
-        <p:txBody>
-          <a:bodyPr/>
-          <a:lstStyle/>
-          <a:p>
-            <a:r>
-              <a:rPr lang="pt-BR" dirty="0"/>
-              <a:t>Como ele foi feito?</a:t>
-            </a:r>
-          </a:p>
-        </p:txBody>
-      </p:sp>
-      <p:sp>
-        <p:nvSpPr>
-          <p:cNvPr id="4" name="Espaço Reservado para Número de Slide 3">
-            <a:extLst>
-              <a:ext uri="{FF2B5EF4-FFF2-40B4-BE49-F238E27FC236}">
-                <a16:creationId xmlns:a16="http://schemas.microsoft.com/office/drawing/2014/main" id="{0C633964-F646-CBE5-C267-F69188156ED2}"/>
-              </a:ext>
-            </a:extLst>
-          </p:cNvPr>
-          <p:cNvSpPr>
-            <a:spLocks noGrp="1"/>
-          </p:cNvSpPr>
-          <p:nvPr>
-            <p:ph type="sldNum" sz="quarter" idx="12"/>
-          </p:nvPr>
-        </p:nvSpPr>
-        <p:spPr/>
-        <p:txBody>
-          <a:bodyPr/>
-          <a:lstStyle/>
-          <a:p>
-            <a:pPr rtl="0"/>
-            <a:fld id="{3A98EE3D-8CD1-4C3F-BD1C-C98C9596463C}" type="slidenum">
-              <a:rPr lang="pt-BR" noProof="0" smtClean="0"/>
-              <a:t>39</a:t>
-            </a:fld>
-            <a:endParaRPr lang="pt-BR" noProof="0" dirty="0"/>
-          </a:p>
-        </p:txBody>
-      </p:sp>
-    </p:spTree>
-    <p:extLst>
-      <p:ext uri="{BB962C8B-B14F-4D97-AF65-F5344CB8AC3E}">
-        <p14:creationId xmlns:p14="http://schemas.microsoft.com/office/powerpoint/2010/main" val="2473995304"/>
       </p:ext>
     </p:extLst>
   </p:cSld>
@@ -14968,6 +14974,128 @@
   <p:cSld>
     <p:spTree>
       <p:nvGrpSpPr>
+        <p:cNvPr id="1" name="">
+          <a:extLst>
+            <a:ext uri="{FF2B5EF4-FFF2-40B4-BE49-F238E27FC236}">
+              <a16:creationId xmlns:a16="http://schemas.microsoft.com/office/drawing/2014/main" id="{0B2F2766-7212-86D7-1F14-AC12671953A2}"/>
+            </a:ext>
+          </a:extLst>
+        </p:cNvPr>
+        <p:cNvGrpSpPr/>
+        <p:nvPr/>
+      </p:nvGrpSpPr>
+      <p:grpSpPr>
+        <a:xfrm>
+          <a:off x="0" y="0"/>
+          <a:ext cx="0" cy="0"/>
+          <a:chOff x="0" y="0"/>
+          <a:chExt cx="0" cy="0"/>
+        </a:xfrm>
+      </p:grpSpPr>
+      <p:sp>
+        <p:nvSpPr>
+          <p:cNvPr id="5" name="Título 4">
+            <a:extLst>
+              <a:ext uri="{FF2B5EF4-FFF2-40B4-BE49-F238E27FC236}">
+                <a16:creationId xmlns:a16="http://schemas.microsoft.com/office/drawing/2014/main" id="{EAB00DD8-589C-C9E9-61E6-DA94B602015D}"/>
+              </a:ext>
+            </a:extLst>
+          </p:cNvPr>
+          <p:cNvSpPr>
+            <a:spLocks noGrp="1"/>
+          </p:cNvSpPr>
+          <p:nvPr>
+            <p:ph type="title"/>
+          </p:nvPr>
+        </p:nvSpPr>
+        <p:spPr/>
+        <p:txBody>
+          <a:bodyPr/>
+          <a:lstStyle/>
+          <a:p>
+            <a:r>
+              <a:rPr lang="pt-BR" dirty="0"/>
+              <a:t>Treinamento</a:t>
+            </a:r>
+          </a:p>
+        </p:txBody>
+      </p:sp>
+      <p:sp>
+        <p:nvSpPr>
+          <p:cNvPr id="6" name="Espaço Reservado para Texto 5">
+            <a:extLst>
+              <a:ext uri="{FF2B5EF4-FFF2-40B4-BE49-F238E27FC236}">
+                <a16:creationId xmlns:a16="http://schemas.microsoft.com/office/drawing/2014/main" id="{7B533EDE-1882-5177-C4FB-7D241D3647C2}"/>
+              </a:ext>
+            </a:extLst>
+          </p:cNvPr>
+          <p:cNvSpPr>
+            <a:spLocks noGrp="1"/>
+          </p:cNvSpPr>
+          <p:nvPr>
+            <p:ph type="body" idx="1"/>
+          </p:nvPr>
+        </p:nvSpPr>
+        <p:spPr/>
+        <p:txBody>
+          <a:bodyPr/>
+          <a:lstStyle/>
+          <a:p>
+            <a:r>
+              <a:rPr lang="pt-BR" dirty="0"/>
+              <a:t>Como ele foi feito?</a:t>
+            </a:r>
+          </a:p>
+        </p:txBody>
+      </p:sp>
+      <p:sp>
+        <p:nvSpPr>
+          <p:cNvPr id="4" name="Espaço Reservado para Número de Slide 3">
+            <a:extLst>
+              <a:ext uri="{FF2B5EF4-FFF2-40B4-BE49-F238E27FC236}">
+                <a16:creationId xmlns:a16="http://schemas.microsoft.com/office/drawing/2014/main" id="{0C633964-F646-CBE5-C267-F69188156ED2}"/>
+              </a:ext>
+            </a:extLst>
+          </p:cNvPr>
+          <p:cNvSpPr>
+            <a:spLocks noGrp="1"/>
+          </p:cNvSpPr>
+          <p:nvPr>
+            <p:ph type="sldNum" sz="quarter" idx="12"/>
+          </p:nvPr>
+        </p:nvSpPr>
+        <p:spPr/>
+        <p:txBody>
+          <a:bodyPr/>
+          <a:lstStyle/>
+          <a:p>
+            <a:pPr rtl="0"/>
+            <a:fld id="{3A98EE3D-8CD1-4C3F-BD1C-C98C9596463C}" type="slidenum">
+              <a:rPr lang="pt-BR" noProof="0" smtClean="0"/>
+              <a:t>40</a:t>
+            </a:fld>
+            <a:endParaRPr lang="pt-BR" noProof="0" dirty="0"/>
+          </a:p>
+        </p:txBody>
+      </p:sp>
+    </p:spTree>
+    <p:extLst>
+      <p:ext uri="{BB962C8B-B14F-4D97-AF65-F5344CB8AC3E}">
+        <p14:creationId xmlns:p14="http://schemas.microsoft.com/office/powerpoint/2010/main" val="2473995304"/>
+      </p:ext>
+    </p:extLst>
+  </p:cSld>
+  <p:clrMapOvr>
+    <a:masterClrMapping/>
+  </p:clrMapOvr>
+</p:sld>
+</file>
+
+<file path=ppt/slides/slide41.xml><?xml version="1.0" encoding="utf-8"?>
+<p:sld xmlns:a="http://schemas.openxmlformats.org/drawingml/2006/main" xmlns:r="http://schemas.openxmlformats.org/officeDocument/2006/relationships" xmlns:p="http://schemas.openxmlformats.org/presentationml/2006/main">
+  <p:cSld>
+    <p:spTree>
+      <p:nvGrpSpPr>
         <p:cNvPr id="1" name=""/>
         <p:cNvGrpSpPr/>
         <p:nvPr/>
@@ -15208,7 +15336,7 @@
             <a:fld id="{3A98EE3D-8CD1-4C3F-BD1C-C98C9596463C}" type="slidenum">
               <a:rPr lang="pt-BR" noProof="0" smtClean="0"/>
               <a:pPr rtl="0"/>
-              <a:t>40</a:t>
+              <a:t>41</a:t>
             </a:fld>
             <a:endParaRPr lang="pt-BR" noProof="0" dirty="0"/>
           </a:p>
@@ -15227,7 +15355,7 @@
 </p:sld>
 </file>
 
-<file path=ppt/slides/slide41.xml><?xml version="1.0" encoding="utf-8"?>
+<file path=ppt/slides/slide42.xml><?xml version="1.0" encoding="utf-8"?>
 <p:sld xmlns:a="http://schemas.openxmlformats.org/drawingml/2006/main" xmlns:r="http://schemas.openxmlformats.org/officeDocument/2006/relationships" xmlns:p="http://schemas.openxmlformats.org/presentationml/2006/main">
   <p:cSld>
     <p:spTree>
@@ -15543,7 +15671,7 @@
             <a:fld id="{3A98EE3D-8CD1-4C3F-BD1C-C98C9596463C}" type="slidenum">
               <a:rPr lang="pt-BR" noProof="0" smtClean="0"/>
               <a:pPr rtl="0"/>
-              <a:t>41</a:t>
+              <a:t>42</a:t>
             </a:fld>
             <a:endParaRPr lang="pt-BR" noProof="0" dirty="0"/>
           </a:p>
@@ -15562,7 +15690,7 @@
 </p:sld>
 </file>
 
-<file path=ppt/slides/slide42.xml><?xml version="1.0" encoding="utf-8"?>
+<file path=ppt/slides/slide43.xml><?xml version="1.0" encoding="utf-8"?>
 <p:sld xmlns:a="http://schemas.openxmlformats.org/drawingml/2006/main" xmlns:r="http://schemas.openxmlformats.org/officeDocument/2006/relationships" xmlns:p="http://schemas.openxmlformats.org/presentationml/2006/main">
   <p:cSld>
     <p:spTree>
@@ -15707,7 +15835,7 @@
             <a:fld id="{3A98EE3D-8CD1-4C3F-BD1C-C98C9596463C}" type="slidenum">
               <a:rPr lang="pt-BR" noProof="0" smtClean="0"/>
               <a:pPr rtl="0"/>
-              <a:t>42</a:t>
+              <a:t>43</a:t>
             </a:fld>
             <a:endParaRPr lang="pt-BR" noProof="0" dirty="0"/>
           </a:p>
@@ -15726,7 +15854,7 @@
 </p:sld>
 </file>
 
-<file path=ppt/slides/slide43.xml><?xml version="1.0" encoding="utf-8"?>
+<file path=ppt/slides/slide44.xml><?xml version="1.0" encoding="utf-8"?>
 <p:sld xmlns:a="http://schemas.openxmlformats.org/drawingml/2006/main" xmlns:r="http://schemas.openxmlformats.org/officeDocument/2006/relationships" xmlns:p="http://schemas.openxmlformats.org/presentationml/2006/main">
   <p:cSld>
     <p:spTree>
@@ -15813,7 +15941,7 @@
             <a:pPr rtl="0"/>
             <a:fld id="{3A98EE3D-8CD1-4C3F-BD1C-C98C9596463C}" type="slidenum">
               <a:rPr lang="pt-BR" noProof="0" smtClean="0"/>
-              <a:t>43</a:t>
+              <a:t>44</a:t>
             </a:fld>
             <a:endParaRPr lang="pt-BR" noProof="0" dirty="0"/>
           </a:p>
@@ -15862,7 +15990,7 @@
 </p:sld>
 </file>
 
-<file path=ppt/slides/slide44.xml><?xml version="1.0" encoding="utf-8"?>
+<file path=ppt/slides/slide45.xml><?xml version="1.0" encoding="utf-8"?>
 <p:sld xmlns:a="http://schemas.openxmlformats.org/drawingml/2006/main" xmlns:r="http://schemas.openxmlformats.org/officeDocument/2006/relationships" xmlns:p="http://schemas.openxmlformats.org/presentationml/2006/main">
   <p:cSld>
     <p:spTree>
@@ -15980,7 +16108,7 @@
             <a:pPr rtl="0"/>
             <a:fld id="{3A98EE3D-8CD1-4C3F-BD1C-C98C9596463C}" type="slidenum">
               <a:rPr lang="pt-BR" noProof="0" smtClean="0"/>
-              <a:t>44</a:t>
+              <a:t>45</a:t>
             </a:fld>
             <a:endParaRPr lang="pt-BR" noProof="0" dirty="0"/>
           </a:p>
@@ -15999,7 +16127,7 @@
 </p:sld>
 </file>
 
-<file path=ppt/slides/slide45.xml><?xml version="1.0" encoding="utf-8"?>
+<file path=ppt/slides/slide46.xml><?xml version="1.0" encoding="utf-8"?>
 <p:sld xmlns:a="http://schemas.openxmlformats.org/drawingml/2006/main" xmlns:r="http://schemas.openxmlformats.org/officeDocument/2006/relationships" xmlns:p="http://schemas.openxmlformats.org/presentationml/2006/main">
   <p:cSld>
     <p:spTree>
@@ -16102,7 +16230,7 @@
             <a:pPr rtl="0"/>
             <a:fld id="{3A98EE3D-8CD1-4C3F-BD1C-C98C9596463C}" type="slidenum">
               <a:rPr lang="pt-BR" noProof="0" smtClean="0"/>
-              <a:t>45</a:t>
+              <a:t>46</a:t>
             </a:fld>
             <a:endParaRPr lang="pt-BR" noProof="0" dirty="0"/>
           </a:p>
@@ -16121,7 +16249,7 @@
 </p:sld>
 </file>
 
-<file path=ppt/slides/slide46.xml><?xml version="1.0" encoding="utf-8"?>
+<file path=ppt/slides/slide47.xml><?xml version="1.0" encoding="utf-8"?>
 <p:sld xmlns:a="http://schemas.openxmlformats.org/drawingml/2006/main" xmlns:r="http://schemas.openxmlformats.org/officeDocument/2006/relationships" xmlns:p="http://schemas.openxmlformats.org/presentationml/2006/main">
   <p:cSld>
     <p:spTree>
@@ -16270,7 +16398,7 @@
             <a:fld id="{3A98EE3D-8CD1-4C3F-BD1C-C98C9596463C}" type="slidenum">
               <a:rPr lang="pt-BR" noProof="0" smtClean="0"/>
               <a:pPr rtl="0"/>
-              <a:t>46</a:t>
+              <a:t>47</a:t>
             </a:fld>
             <a:endParaRPr lang="pt-BR" noProof="0" dirty="0"/>
           </a:p>
@@ -16289,7 +16417,7 @@
 </p:sld>
 </file>
 
-<file path=ppt/slides/slide47.xml><?xml version="1.0" encoding="utf-8"?>
+<file path=ppt/slides/slide48.xml><?xml version="1.0" encoding="utf-8"?>
 <p:sld xmlns:a="http://schemas.openxmlformats.org/drawingml/2006/main" xmlns:r="http://schemas.openxmlformats.org/officeDocument/2006/relationships" xmlns:p="http://schemas.openxmlformats.org/presentationml/2006/main">
   <p:cSld>
     <p:spTree>
@@ -16446,7 +16574,7 @@
             <a:fld id="{3A98EE3D-8CD1-4C3F-BD1C-C98C9596463C}" type="slidenum">
               <a:rPr lang="pt-BR" noProof="0" smtClean="0"/>
               <a:pPr rtl="0"/>
-              <a:t>47</a:t>
+              <a:t>48</a:t>
             </a:fld>
             <a:endParaRPr lang="pt-BR" noProof="0" dirty="0"/>
           </a:p>
@@ -16465,7 +16593,7 @@
 </p:sld>
 </file>
 
-<file path=ppt/slides/slide48.xml><?xml version="1.0" encoding="utf-8"?>
+<file path=ppt/slides/slide49.xml><?xml version="1.0" encoding="utf-8"?>
 <p:sld xmlns:a="http://schemas.openxmlformats.org/drawingml/2006/main" xmlns:r="http://schemas.openxmlformats.org/officeDocument/2006/relationships" xmlns:p="http://schemas.openxmlformats.org/presentationml/2006/main">
   <p:cSld>
     <p:spTree>
@@ -16608,7 +16736,7 @@
             <a:fld id="{3A98EE3D-8CD1-4C3F-BD1C-C98C9596463C}" type="slidenum">
               <a:rPr lang="pt-BR" noProof="0" smtClean="0"/>
               <a:pPr rtl="0"/>
-              <a:t>48</a:t>
+              <a:t>49</a:t>
             </a:fld>
             <a:endParaRPr lang="pt-BR" noProof="0" dirty="0"/>
           </a:p>
@@ -16618,417 +16746,6 @@
     <p:extLst>
       <p:ext uri="{BB962C8B-B14F-4D97-AF65-F5344CB8AC3E}">
         <p14:creationId xmlns:p14="http://schemas.microsoft.com/office/powerpoint/2010/main" val="1098919111"/>
-      </p:ext>
-    </p:extLst>
-  </p:cSld>
-  <p:clrMapOvr>
-    <a:masterClrMapping/>
-  </p:clrMapOvr>
-</p:sld>
-</file>
-
-<file path=ppt/slides/slide49.xml><?xml version="1.0" encoding="utf-8"?>
-<p:sld xmlns:a="http://schemas.openxmlformats.org/drawingml/2006/main" xmlns:r="http://schemas.openxmlformats.org/officeDocument/2006/relationships" xmlns:p="http://schemas.openxmlformats.org/presentationml/2006/main">
-  <p:cSld>
-    <p:spTree>
-      <p:nvGrpSpPr>
-        <p:cNvPr id="1" name=""/>
-        <p:cNvGrpSpPr/>
-        <p:nvPr/>
-      </p:nvGrpSpPr>
-      <p:grpSpPr>
-        <a:xfrm>
-          <a:off x="0" y="0"/>
-          <a:ext cx="0" cy="0"/>
-          <a:chOff x="0" y="0"/>
-          <a:chExt cx="0" cy="0"/>
-        </a:xfrm>
-      </p:grpSpPr>
-      <p:sp>
-        <p:nvSpPr>
-          <p:cNvPr id="2" name="Título 1">
-            <a:extLst>
-              <a:ext uri="{FF2B5EF4-FFF2-40B4-BE49-F238E27FC236}">
-                <a16:creationId xmlns:a16="http://schemas.microsoft.com/office/drawing/2014/main" id="{F6885A5D-DA0C-8CEA-2E1C-B21B22ECE66F}"/>
-              </a:ext>
-            </a:extLst>
-          </p:cNvPr>
-          <p:cNvSpPr>
-            <a:spLocks noGrp="1"/>
-          </p:cNvSpPr>
-          <p:nvPr>
-            <p:ph type="title"/>
-          </p:nvPr>
-        </p:nvSpPr>
-        <p:spPr/>
-        <p:txBody>
-          <a:bodyPr/>
-          <a:lstStyle/>
-          <a:p>
-            <a:r>
-              <a:rPr lang="pt-BR">
-                <a:ln>
-                  <a:solidFill>
-                    <a:prstClr val="black">
-                      <a:lumMod val="75000"/>
-                      <a:lumOff val="25000"/>
-                      <a:alpha val="10000"/>
-                    </a:prstClr>
-                  </a:solidFill>
-                </a:ln>
-                <a:effectLst>
-                  <a:outerShdw blurRad="9525" dist="25400" dir="14640000" algn="tl" rotWithShape="0">
-                    <a:prstClr val="black">
-                      <a:alpha val="30000"/>
-                    </a:prstClr>
-                  </a:outerShdw>
-                </a:effectLst>
-                <a:ea typeface="+mj-lt"/>
-                <a:cs typeface="+mj-lt"/>
-              </a:rPr>
-              <a:t>Teste de Generalização (Tarefa de Inversão)</a:t>
-            </a:r>
-            <a:endParaRPr lang="pt-BR"/>
-          </a:p>
-        </p:txBody>
-      </p:sp>
-      <p:sp>
-        <p:nvSpPr>
-          <p:cNvPr id="3" name="Espaço Reservado para Conteúdo 2">
-            <a:extLst>
-              <a:ext uri="{FF2B5EF4-FFF2-40B4-BE49-F238E27FC236}">
-                <a16:creationId xmlns:a16="http://schemas.microsoft.com/office/drawing/2014/main" id="{95632D79-B115-A52E-1007-384B10F6F7BF}"/>
-              </a:ext>
-            </a:extLst>
-          </p:cNvPr>
-          <p:cNvSpPr>
-            <a:spLocks noGrp="1"/>
-          </p:cNvSpPr>
-          <p:nvPr>
-            <p:ph idx="1"/>
-          </p:nvPr>
-        </p:nvSpPr>
-        <p:spPr/>
-        <p:txBody>
-          <a:bodyPr/>
-          <a:lstStyle/>
-          <a:p>
-            <a:pPr indent="-305435" algn="just"/>
-            <a:r>
-              <a:rPr lang="pt-BR" dirty="0">
-                <a:ln>
-                  <a:solidFill>
-                    <a:prstClr val="black">
-                      <a:lumMod val="75000"/>
-                      <a:lumOff val="25000"/>
-                      <a:alpha val="10000"/>
-                    </a:prstClr>
-                  </a:solidFill>
-                </a:ln>
-                <a:effectLst>
-                  <a:outerShdw blurRad="9525" dist="25400" dir="14640000" algn="tl" rotWithShape="0">
-                    <a:prstClr val="black">
-                      <a:alpha val="30000"/>
-                    </a:prstClr>
-                  </a:outerShdw>
-                </a:effectLst>
-                <a:ea typeface="+mn-lt"/>
-                <a:cs typeface="+mn-lt"/>
-              </a:rPr>
-              <a:t>Avaliar a capacidade da NTM de generalizar o algoritmo de inversão para sequências de bits com </a:t>
-            </a:r>
-            <a:r>
-              <a:rPr lang="pt-BR" b="1" dirty="0">
-                <a:ln>
-                  <a:solidFill>
-                    <a:prstClr val="black">
-                      <a:lumMod val="75000"/>
-                      <a:lumOff val="25000"/>
-                      <a:alpha val="10000"/>
-                    </a:prstClr>
-                  </a:solidFill>
-                </a:ln>
-                <a:effectLst>
-                  <a:outerShdw blurRad="9525" dist="25400" dir="14640000" algn="tl" rotWithShape="0">
-                    <a:prstClr val="black">
-                      <a:alpha val="30000"/>
-                    </a:prstClr>
-                  </a:outerShdw>
-                </a:effectLst>
-                <a:ea typeface="+mn-lt"/>
-                <a:cs typeface="+mn-lt"/>
-              </a:rPr>
-              <a:t>comprimentos maiores</a:t>
-            </a:r>
-            <a:r>
-              <a:rPr lang="pt-BR" dirty="0">
-                <a:ln>
-                  <a:solidFill>
-                    <a:prstClr val="black">
-                      <a:lumMod val="75000"/>
-                      <a:lumOff val="25000"/>
-                      <a:alpha val="10000"/>
-                    </a:prstClr>
-                  </a:solidFill>
-                </a:ln>
-                <a:effectLst>
-                  <a:outerShdw blurRad="9525" dist="25400" dir="14640000" algn="tl" rotWithShape="0">
-                    <a:prstClr val="black">
-                      <a:alpha val="30000"/>
-                    </a:prstClr>
-                  </a:outerShdw>
-                </a:effectLst>
-                <a:ea typeface="+mn-lt"/>
-                <a:cs typeface="+mn-lt"/>
-              </a:rPr>
-              <a:t> do que os vistos durante o treinamento.</a:t>
-            </a:r>
-            <a:endParaRPr lang="pt-BR" dirty="0"/>
-          </a:p>
-          <a:p>
-            <a:pPr indent="-305435" algn="just"/>
-            <a:r>
-              <a:rPr lang="pt-BR" dirty="0">
-                <a:ln>
-                  <a:solidFill>
-                    <a:prstClr val="black">
-                      <a:lumMod val="75000"/>
-                      <a:lumOff val="25000"/>
-                      <a:alpha val="10000"/>
-                    </a:prstClr>
-                  </a:solidFill>
-                </a:ln>
-                <a:effectLst>
-                  <a:outerShdw blurRad="9525" dist="25400" dir="14640000" algn="tl" rotWithShape="0">
-                    <a:prstClr val="black">
-                      <a:alpha val="30000"/>
-                    </a:prstClr>
-                  </a:outerShdw>
-                </a:effectLst>
-                <a:ea typeface="+mn-lt"/>
-                <a:cs typeface="+mn-lt"/>
-              </a:rPr>
-              <a:t>O modelo treinado foi testado em um </a:t>
-            </a:r>
-            <a:r>
-              <a:rPr lang="pt-BR" dirty="0" err="1">
-                <a:ln>
-                  <a:solidFill>
-                    <a:prstClr val="black">
-                      <a:lumMod val="75000"/>
-                      <a:lumOff val="25000"/>
-                      <a:alpha val="10000"/>
-                    </a:prstClr>
-                  </a:solidFill>
-                </a:ln>
-                <a:effectLst>
-                  <a:outerShdw blurRad="9525" dist="25400" dir="14640000" algn="tl" rotWithShape="0">
-                    <a:prstClr val="black">
-                      <a:alpha val="30000"/>
-                    </a:prstClr>
-                  </a:outerShdw>
-                </a:effectLst>
-                <a:ea typeface="+mn-lt"/>
-                <a:cs typeface="+mn-lt"/>
-              </a:rPr>
-              <a:t>dataset</a:t>
-            </a:r>
-            <a:r>
-              <a:rPr lang="pt-BR" dirty="0">
-                <a:ln>
-                  <a:solidFill>
-                    <a:prstClr val="black">
-                      <a:lumMod val="75000"/>
-                      <a:lumOff val="25000"/>
-                      <a:alpha val="10000"/>
-                    </a:prstClr>
-                  </a:solidFill>
-                </a:ln>
-                <a:effectLst>
-                  <a:outerShdw blurRad="9525" dist="25400" dir="14640000" algn="tl" rotWithShape="0">
-                    <a:prstClr val="black">
-                      <a:alpha val="30000"/>
-                    </a:prstClr>
-                  </a:outerShdw>
-                </a:effectLst>
-                <a:ea typeface="+mn-lt"/>
-                <a:cs typeface="+mn-lt"/>
-              </a:rPr>
-              <a:t> de inversão com sequências de </a:t>
-            </a:r>
-            <a:r>
-              <a:rPr lang="pt-BR" b="1" dirty="0">
-                <a:ln>
-                  <a:solidFill>
-                    <a:prstClr val="black">
-                      <a:lumMod val="75000"/>
-                      <a:lumOff val="25000"/>
-                      <a:alpha val="10000"/>
-                    </a:prstClr>
-                  </a:solidFill>
-                </a:ln>
-                <a:effectLst>
-                  <a:outerShdw blurRad="9525" dist="25400" dir="14640000" algn="tl" rotWithShape="0">
-                    <a:prstClr val="black">
-                      <a:alpha val="30000"/>
-                    </a:prstClr>
-                  </a:outerShdw>
-                </a:effectLst>
-                <a:ea typeface="+mn-lt"/>
-                <a:cs typeface="+mn-lt"/>
-              </a:rPr>
-              <a:t>21 a 40 bits de comprimento</a:t>
-            </a:r>
-            <a:r>
-              <a:rPr lang="pt-BR" dirty="0">
-                <a:ln>
-                  <a:solidFill>
-                    <a:prstClr val="black">
-                      <a:lumMod val="75000"/>
-                      <a:lumOff val="25000"/>
-                      <a:alpha val="10000"/>
-                    </a:prstClr>
-                  </a:solidFill>
-                </a:ln>
-                <a:effectLst>
-                  <a:outerShdw blurRad="9525" dist="25400" dir="14640000" algn="tl" rotWithShape="0">
-                    <a:prstClr val="black">
-                      <a:alpha val="30000"/>
-                    </a:prstClr>
-                  </a:outerShdw>
-                </a:effectLst>
-                <a:ea typeface="+mn-lt"/>
-                <a:cs typeface="+mn-lt"/>
-              </a:rPr>
-              <a:t>.</a:t>
-            </a:r>
-          </a:p>
-          <a:p>
-            <a:pPr indent="-305435" algn="just"/>
-            <a:r>
-              <a:rPr lang="pt-BR" dirty="0">
-                <a:ln>
-                  <a:solidFill>
-                    <a:prstClr val="black">
-                      <a:lumMod val="75000"/>
-                      <a:lumOff val="25000"/>
-                      <a:alpha val="10000"/>
-                    </a:prstClr>
-                  </a:solidFill>
-                </a:ln>
-                <a:effectLst>
-                  <a:outerShdw blurRad="9525" dist="25400" dir="14640000" algn="tl" rotWithShape="0">
-                    <a:prstClr val="black">
-                      <a:alpha val="30000"/>
-                    </a:prstClr>
-                  </a:outerShdw>
-                </a:effectLst>
-                <a:ea typeface="+mn-lt"/>
-                <a:cs typeface="+mn-lt"/>
-              </a:rPr>
-              <a:t>Esses comprimentos estavam </a:t>
-            </a:r>
-            <a:r>
-              <a:rPr lang="pt-BR" b="1" dirty="0">
-                <a:ln>
-                  <a:solidFill>
-                    <a:prstClr val="black">
-                      <a:lumMod val="75000"/>
-                      <a:lumOff val="25000"/>
-                      <a:alpha val="10000"/>
-                    </a:prstClr>
-                  </a:solidFill>
-                </a:ln>
-                <a:effectLst>
-                  <a:outerShdw blurRad="9525" dist="25400" dir="14640000" algn="tl" rotWithShape="0">
-                    <a:prstClr val="black">
-                      <a:alpha val="30000"/>
-                    </a:prstClr>
-                  </a:outerShdw>
-                </a:effectLst>
-                <a:ea typeface="+mn-lt"/>
-                <a:cs typeface="+mn-lt"/>
-              </a:rPr>
-              <a:t>fora da faixa de treinamento,</a:t>
-            </a:r>
-            <a:r>
-              <a:rPr lang="pt-BR" dirty="0">
-                <a:ln>
-                  <a:solidFill>
-                    <a:prstClr val="black">
-                      <a:lumMod val="75000"/>
-                      <a:lumOff val="25000"/>
-                      <a:alpha val="10000"/>
-                    </a:prstClr>
-                  </a:solidFill>
-                </a:ln>
-                <a:effectLst>
-                  <a:outerShdw blurRad="9525" dist="25400" dir="14640000" algn="tl" rotWithShape="0">
-                    <a:prstClr val="black">
-                      <a:alpha val="30000"/>
-                    </a:prstClr>
-                  </a:outerShdw>
-                </a:effectLst>
-                <a:ea typeface="+mn-lt"/>
-                <a:cs typeface="+mn-lt"/>
-              </a:rPr>
-              <a:t> que tipicamente vai até 20 bits.</a:t>
-            </a:r>
-            <a:endParaRPr lang="pt-BR" dirty="0">
-              <a:ln>
-                <a:solidFill>
-                  <a:prstClr val="black">
-                    <a:lumMod val="75000"/>
-                    <a:lumOff val="25000"/>
-                    <a:alpha val="10000"/>
-                  </a:prstClr>
-                </a:solidFill>
-              </a:ln>
-              <a:effectLst>
-                <a:outerShdw blurRad="9525" dist="25400" dir="14640000" algn="tl" rotWithShape="0">
-                  <a:prstClr val="black">
-                    <a:alpha val="30000"/>
-                  </a:prstClr>
-                </a:outerShdw>
-              </a:effectLst>
-            </a:endParaRPr>
-          </a:p>
-        </p:txBody>
-      </p:sp>
-      <p:sp>
-        <p:nvSpPr>
-          <p:cNvPr id="4" name="Espaço Reservado para Número de Slide 3">
-            <a:extLst>
-              <a:ext uri="{FF2B5EF4-FFF2-40B4-BE49-F238E27FC236}">
-                <a16:creationId xmlns:a16="http://schemas.microsoft.com/office/drawing/2014/main" id="{77F502D6-5B03-5DBA-785D-8CDDFD4A6172}"/>
-              </a:ext>
-            </a:extLst>
-          </p:cNvPr>
-          <p:cNvSpPr>
-            <a:spLocks noGrp="1"/>
-          </p:cNvSpPr>
-          <p:nvPr>
-            <p:ph type="sldNum" sz="quarter" idx="12"/>
-          </p:nvPr>
-        </p:nvSpPr>
-        <p:spPr/>
-        <p:txBody>
-          <a:bodyPr/>
-          <a:lstStyle/>
-          <a:p>
-            <a:pPr rtl="0"/>
-            <a:fld id="{3A98EE3D-8CD1-4C3F-BD1C-C98C9596463C}" type="slidenum">
-              <a:rPr lang="pt-BR" noProof="0" smtClean="0"/>
-              <a:t>49</a:t>
-            </a:fld>
-            <a:endParaRPr lang="pt-BR" noProof="0"/>
-          </a:p>
-        </p:txBody>
-      </p:sp>
-    </p:spTree>
-    <p:extLst>
-      <p:ext uri="{BB962C8B-B14F-4D97-AF65-F5344CB8AC3E}">
-        <p14:creationId xmlns:p14="http://schemas.microsoft.com/office/powerpoint/2010/main" val="216017965"/>
       </p:ext>
     </p:extLst>
   </p:cSld>
@@ -17219,13 +16936,7 @@
   <p:cSld>
     <p:spTree>
       <p:nvGrpSpPr>
-        <p:cNvPr id="1" name="">
-          <a:extLst>
-            <a:ext uri="{FF2B5EF4-FFF2-40B4-BE49-F238E27FC236}">
-              <a16:creationId xmlns:a16="http://schemas.microsoft.com/office/drawing/2014/main" id="{5390C91B-454B-10D4-3DEB-122DFF4D5395}"/>
-            </a:ext>
-          </a:extLst>
-        </p:cNvPr>
+        <p:cNvPr id="1" name=""/>
         <p:cNvGrpSpPr/>
         <p:nvPr/>
       </p:nvGrpSpPr>
@@ -17242,7 +16953,7 @@
           <p:cNvPr id="2" name="Título 1">
             <a:extLst>
               <a:ext uri="{FF2B5EF4-FFF2-40B4-BE49-F238E27FC236}">
-                <a16:creationId xmlns:a16="http://schemas.microsoft.com/office/drawing/2014/main" id="{DDBAA7ED-AF2C-89B9-ECAB-7FC58E77EE36}"/>
+                <a16:creationId xmlns:a16="http://schemas.microsoft.com/office/drawing/2014/main" id="{F6885A5D-DA0C-8CEA-2E1C-B21B22ECE66F}"/>
               </a:ext>
             </a:extLst>
           </p:cNvPr>
@@ -17290,6 +17001,423 @@
           <p:cNvPr id="3" name="Espaço Reservado para Conteúdo 2">
             <a:extLst>
               <a:ext uri="{FF2B5EF4-FFF2-40B4-BE49-F238E27FC236}">
+                <a16:creationId xmlns:a16="http://schemas.microsoft.com/office/drawing/2014/main" id="{95632D79-B115-A52E-1007-384B10F6F7BF}"/>
+              </a:ext>
+            </a:extLst>
+          </p:cNvPr>
+          <p:cNvSpPr>
+            <a:spLocks noGrp="1"/>
+          </p:cNvSpPr>
+          <p:nvPr>
+            <p:ph idx="1"/>
+          </p:nvPr>
+        </p:nvSpPr>
+        <p:spPr/>
+        <p:txBody>
+          <a:bodyPr/>
+          <a:lstStyle/>
+          <a:p>
+            <a:pPr indent="-305435" algn="just"/>
+            <a:r>
+              <a:rPr lang="pt-BR" dirty="0">
+                <a:ln>
+                  <a:solidFill>
+                    <a:prstClr val="black">
+                      <a:lumMod val="75000"/>
+                      <a:lumOff val="25000"/>
+                      <a:alpha val="10000"/>
+                    </a:prstClr>
+                  </a:solidFill>
+                </a:ln>
+                <a:effectLst>
+                  <a:outerShdw blurRad="9525" dist="25400" dir="14640000" algn="tl" rotWithShape="0">
+                    <a:prstClr val="black">
+                      <a:alpha val="30000"/>
+                    </a:prstClr>
+                  </a:outerShdw>
+                </a:effectLst>
+                <a:ea typeface="+mn-lt"/>
+                <a:cs typeface="+mn-lt"/>
+              </a:rPr>
+              <a:t>Avaliar a capacidade da NTM de generalizar o algoritmo de inversão para sequências de bits com </a:t>
+            </a:r>
+            <a:r>
+              <a:rPr lang="pt-BR" b="1" dirty="0">
+                <a:ln>
+                  <a:solidFill>
+                    <a:prstClr val="black">
+                      <a:lumMod val="75000"/>
+                      <a:lumOff val="25000"/>
+                      <a:alpha val="10000"/>
+                    </a:prstClr>
+                  </a:solidFill>
+                </a:ln>
+                <a:effectLst>
+                  <a:outerShdw blurRad="9525" dist="25400" dir="14640000" algn="tl" rotWithShape="0">
+                    <a:prstClr val="black">
+                      <a:alpha val="30000"/>
+                    </a:prstClr>
+                  </a:outerShdw>
+                </a:effectLst>
+                <a:ea typeface="+mn-lt"/>
+                <a:cs typeface="+mn-lt"/>
+              </a:rPr>
+              <a:t>comprimentos maiores</a:t>
+            </a:r>
+            <a:r>
+              <a:rPr lang="pt-BR" dirty="0">
+                <a:ln>
+                  <a:solidFill>
+                    <a:prstClr val="black">
+                      <a:lumMod val="75000"/>
+                      <a:lumOff val="25000"/>
+                      <a:alpha val="10000"/>
+                    </a:prstClr>
+                  </a:solidFill>
+                </a:ln>
+                <a:effectLst>
+                  <a:outerShdw blurRad="9525" dist="25400" dir="14640000" algn="tl" rotWithShape="0">
+                    <a:prstClr val="black">
+                      <a:alpha val="30000"/>
+                    </a:prstClr>
+                  </a:outerShdw>
+                </a:effectLst>
+                <a:ea typeface="+mn-lt"/>
+                <a:cs typeface="+mn-lt"/>
+              </a:rPr>
+              <a:t> do que os vistos durante o treinamento.</a:t>
+            </a:r>
+            <a:endParaRPr lang="pt-BR" dirty="0"/>
+          </a:p>
+          <a:p>
+            <a:pPr indent="-305435" algn="just"/>
+            <a:r>
+              <a:rPr lang="pt-BR" dirty="0">
+                <a:ln>
+                  <a:solidFill>
+                    <a:prstClr val="black">
+                      <a:lumMod val="75000"/>
+                      <a:lumOff val="25000"/>
+                      <a:alpha val="10000"/>
+                    </a:prstClr>
+                  </a:solidFill>
+                </a:ln>
+                <a:effectLst>
+                  <a:outerShdw blurRad="9525" dist="25400" dir="14640000" algn="tl" rotWithShape="0">
+                    <a:prstClr val="black">
+                      <a:alpha val="30000"/>
+                    </a:prstClr>
+                  </a:outerShdw>
+                </a:effectLst>
+                <a:ea typeface="+mn-lt"/>
+                <a:cs typeface="+mn-lt"/>
+              </a:rPr>
+              <a:t>O modelo treinado foi testado em um </a:t>
+            </a:r>
+            <a:r>
+              <a:rPr lang="pt-BR" dirty="0" err="1">
+                <a:ln>
+                  <a:solidFill>
+                    <a:prstClr val="black">
+                      <a:lumMod val="75000"/>
+                      <a:lumOff val="25000"/>
+                      <a:alpha val="10000"/>
+                    </a:prstClr>
+                  </a:solidFill>
+                </a:ln>
+                <a:effectLst>
+                  <a:outerShdw blurRad="9525" dist="25400" dir="14640000" algn="tl" rotWithShape="0">
+                    <a:prstClr val="black">
+                      <a:alpha val="30000"/>
+                    </a:prstClr>
+                  </a:outerShdw>
+                </a:effectLst>
+                <a:ea typeface="+mn-lt"/>
+                <a:cs typeface="+mn-lt"/>
+              </a:rPr>
+              <a:t>dataset</a:t>
+            </a:r>
+            <a:r>
+              <a:rPr lang="pt-BR" dirty="0">
+                <a:ln>
+                  <a:solidFill>
+                    <a:prstClr val="black">
+                      <a:lumMod val="75000"/>
+                      <a:lumOff val="25000"/>
+                      <a:alpha val="10000"/>
+                    </a:prstClr>
+                  </a:solidFill>
+                </a:ln>
+                <a:effectLst>
+                  <a:outerShdw blurRad="9525" dist="25400" dir="14640000" algn="tl" rotWithShape="0">
+                    <a:prstClr val="black">
+                      <a:alpha val="30000"/>
+                    </a:prstClr>
+                  </a:outerShdw>
+                </a:effectLst>
+                <a:ea typeface="+mn-lt"/>
+                <a:cs typeface="+mn-lt"/>
+              </a:rPr>
+              <a:t> de inversão com sequências de </a:t>
+            </a:r>
+            <a:r>
+              <a:rPr lang="pt-BR" b="1" dirty="0">
+                <a:ln>
+                  <a:solidFill>
+                    <a:prstClr val="black">
+                      <a:lumMod val="75000"/>
+                      <a:lumOff val="25000"/>
+                      <a:alpha val="10000"/>
+                    </a:prstClr>
+                  </a:solidFill>
+                </a:ln>
+                <a:effectLst>
+                  <a:outerShdw blurRad="9525" dist="25400" dir="14640000" algn="tl" rotWithShape="0">
+                    <a:prstClr val="black">
+                      <a:alpha val="30000"/>
+                    </a:prstClr>
+                  </a:outerShdw>
+                </a:effectLst>
+                <a:ea typeface="+mn-lt"/>
+                <a:cs typeface="+mn-lt"/>
+              </a:rPr>
+              <a:t>21 a 40 bits de comprimento</a:t>
+            </a:r>
+            <a:r>
+              <a:rPr lang="pt-BR" dirty="0">
+                <a:ln>
+                  <a:solidFill>
+                    <a:prstClr val="black">
+                      <a:lumMod val="75000"/>
+                      <a:lumOff val="25000"/>
+                      <a:alpha val="10000"/>
+                    </a:prstClr>
+                  </a:solidFill>
+                </a:ln>
+                <a:effectLst>
+                  <a:outerShdw blurRad="9525" dist="25400" dir="14640000" algn="tl" rotWithShape="0">
+                    <a:prstClr val="black">
+                      <a:alpha val="30000"/>
+                    </a:prstClr>
+                  </a:outerShdw>
+                </a:effectLst>
+                <a:ea typeface="+mn-lt"/>
+                <a:cs typeface="+mn-lt"/>
+              </a:rPr>
+              <a:t>.</a:t>
+            </a:r>
+          </a:p>
+          <a:p>
+            <a:pPr indent="-305435" algn="just"/>
+            <a:r>
+              <a:rPr lang="pt-BR" dirty="0">
+                <a:ln>
+                  <a:solidFill>
+                    <a:prstClr val="black">
+                      <a:lumMod val="75000"/>
+                      <a:lumOff val="25000"/>
+                      <a:alpha val="10000"/>
+                    </a:prstClr>
+                  </a:solidFill>
+                </a:ln>
+                <a:effectLst>
+                  <a:outerShdw blurRad="9525" dist="25400" dir="14640000" algn="tl" rotWithShape="0">
+                    <a:prstClr val="black">
+                      <a:alpha val="30000"/>
+                    </a:prstClr>
+                  </a:outerShdw>
+                </a:effectLst>
+                <a:ea typeface="+mn-lt"/>
+                <a:cs typeface="+mn-lt"/>
+              </a:rPr>
+              <a:t>Esses comprimentos estavam </a:t>
+            </a:r>
+            <a:r>
+              <a:rPr lang="pt-BR" b="1" dirty="0">
+                <a:ln>
+                  <a:solidFill>
+                    <a:prstClr val="black">
+                      <a:lumMod val="75000"/>
+                      <a:lumOff val="25000"/>
+                      <a:alpha val="10000"/>
+                    </a:prstClr>
+                  </a:solidFill>
+                </a:ln>
+                <a:effectLst>
+                  <a:outerShdw blurRad="9525" dist="25400" dir="14640000" algn="tl" rotWithShape="0">
+                    <a:prstClr val="black">
+                      <a:alpha val="30000"/>
+                    </a:prstClr>
+                  </a:outerShdw>
+                </a:effectLst>
+                <a:ea typeface="+mn-lt"/>
+                <a:cs typeface="+mn-lt"/>
+              </a:rPr>
+              <a:t>fora da faixa de treinamento,</a:t>
+            </a:r>
+            <a:r>
+              <a:rPr lang="pt-BR" dirty="0">
+                <a:ln>
+                  <a:solidFill>
+                    <a:prstClr val="black">
+                      <a:lumMod val="75000"/>
+                      <a:lumOff val="25000"/>
+                      <a:alpha val="10000"/>
+                    </a:prstClr>
+                  </a:solidFill>
+                </a:ln>
+                <a:effectLst>
+                  <a:outerShdw blurRad="9525" dist="25400" dir="14640000" algn="tl" rotWithShape="0">
+                    <a:prstClr val="black">
+                      <a:alpha val="30000"/>
+                    </a:prstClr>
+                  </a:outerShdw>
+                </a:effectLst>
+                <a:ea typeface="+mn-lt"/>
+                <a:cs typeface="+mn-lt"/>
+              </a:rPr>
+              <a:t> que tipicamente vai até 20 bits.</a:t>
+            </a:r>
+            <a:endParaRPr lang="pt-BR" dirty="0">
+              <a:ln>
+                <a:solidFill>
+                  <a:prstClr val="black">
+                    <a:lumMod val="75000"/>
+                    <a:lumOff val="25000"/>
+                    <a:alpha val="10000"/>
+                  </a:prstClr>
+                </a:solidFill>
+              </a:ln>
+              <a:effectLst>
+                <a:outerShdw blurRad="9525" dist="25400" dir="14640000" algn="tl" rotWithShape="0">
+                  <a:prstClr val="black">
+                    <a:alpha val="30000"/>
+                  </a:prstClr>
+                </a:outerShdw>
+              </a:effectLst>
+            </a:endParaRPr>
+          </a:p>
+        </p:txBody>
+      </p:sp>
+      <p:sp>
+        <p:nvSpPr>
+          <p:cNvPr id="4" name="Espaço Reservado para Número de Slide 3">
+            <a:extLst>
+              <a:ext uri="{FF2B5EF4-FFF2-40B4-BE49-F238E27FC236}">
+                <a16:creationId xmlns:a16="http://schemas.microsoft.com/office/drawing/2014/main" id="{77F502D6-5B03-5DBA-785D-8CDDFD4A6172}"/>
+              </a:ext>
+            </a:extLst>
+          </p:cNvPr>
+          <p:cNvSpPr>
+            <a:spLocks noGrp="1"/>
+          </p:cNvSpPr>
+          <p:nvPr>
+            <p:ph type="sldNum" sz="quarter" idx="12"/>
+          </p:nvPr>
+        </p:nvSpPr>
+        <p:spPr/>
+        <p:txBody>
+          <a:bodyPr/>
+          <a:lstStyle/>
+          <a:p>
+            <a:pPr rtl="0"/>
+            <a:fld id="{3A98EE3D-8CD1-4C3F-BD1C-C98C9596463C}" type="slidenum">
+              <a:rPr lang="pt-BR" noProof="0" smtClean="0"/>
+              <a:t>50</a:t>
+            </a:fld>
+            <a:endParaRPr lang="pt-BR" noProof="0"/>
+          </a:p>
+        </p:txBody>
+      </p:sp>
+    </p:spTree>
+    <p:extLst>
+      <p:ext uri="{BB962C8B-B14F-4D97-AF65-F5344CB8AC3E}">
+        <p14:creationId xmlns:p14="http://schemas.microsoft.com/office/powerpoint/2010/main" val="216017965"/>
+      </p:ext>
+    </p:extLst>
+  </p:cSld>
+  <p:clrMapOvr>
+    <a:masterClrMapping/>
+  </p:clrMapOvr>
+</p:sld>
+</file>
+
+<file path=ppt/slides/slide51.xml><?xml version="1.0" encoding="utf-8"?>
+<p:sld xmlns:a="http://schemas.openxmlformats.org/drawingml/2006/main" xmlns:r="http://schemas.openxmlformats.org/officeDocument/2006/relationships" xmlns:p="http://schemas.openxmlformats.org/presentationml/2006/main">
+  <p:cSld>
+    <p:spTree>
+      <p:nvGrpSpPr>
+        <p:cNvPr id="1" name="">
+          <a:extLst>
+            <a:ext uri="{FF2B5EF4-FFF2-40B4-BE49-F238E27FC236}">
+              <a16:creationId xmlns:a16="http://schemas.microsoft.com/office/drawing/2014/main" id="{5390C91B-454B-10D4-3DEB-122DFF4D5395}"/>
+            </a:ext>
+          </a:extLst>
+        </p:cNvPr>
+        <p:cNvGrpSpPr/>
+        <p:nvPr/>
+      </p:nvGrpSpPr>
+      <p:grpSpPr>
+        <a:xfrm>
+          <a:off x="0" y="0"/>
+          <a:ext cx="0" cy="0"/>
+          <a:chOff x="0" y="0"/>
+          <a:chExt cx="0" cy="0"/>
+        </a:xfrm>
+      </p:grpSpPr>
+      <p:sp>
+        <p:nvSpPr>
+          <p:cNvPr id="2" name="Título 1">
+            <a:extLst>
+              <a:ext uri="{FF2B5EF4-FFF2-40B4-BE49-F238E27FC236}">
+                <a16:creationId xmlns:a16="http://schemas.microsoft.com/office/drawing/2014/main" id="{DDBAA7ED-AF2C-89B9-ECAB-7FC58E77EE36}"/>
+              </a:ext>
+            </a:extLst>
+          </p:cNvPr>
+          <p:cNvSpPr>
+            <a:spLocks noGrp="1"/>
+          </p:cNvSpPr>
+          <p:nvPr>
+            <p:ph type="title"/>
+          </p:nvPr>
+        </p:nvSpPr>
+        <p:spPr/>
+        <p:txBody>
+          <a:bodyPr/>
+          <a:lstStyle/>
+          <a:p>
+            <a:r>
+              <a:rPr lang="pt-BR">
+                <a:ln>
+                  <a:solidFill>
+                    <a:prstClr val="black">
+                      <a:lumMod val="75000"/>
+                      <a:lumOff val="25000"/>
+                      <a:alpha val="10000"/>
+                    </a:prstClr>
+                  </a:solidFill>
+                </a:ln>
+                <a:effectLst>
+                  <a:outerShdw blurRad="9525" dist="25400" dir="14640000" algn="tl" rotWithShape="0">
+                    <a:prstClr val="black">
+                      <a:alpha val="30000"/>
+                    </a:prstClr>
+                  </a:outerShdw>
+                </a:effectLst>
+                <a:ea typeface="+mj-lt"/>
+                <a:cs typeface="+mj-lt"/>
+              </a:rPr>
+              <a:t>Teste de Generalização (Tarefa de Inversão)</a:t>
+            </a:r>
+            <a:endParaRPr lang="pt-BR"/>
+          </a:p>
+        </p:txBody>
+      </p:sp>
+      <p:sp>
+        <p:nvSpPr>
+          <p:cNvPr id="3" name="Espaço Reservado para Conteúdo 2">
+            <a:extLst>
+              <a:ext uri="{FF2B5EF4-FFF2-40B4-BE49-F238E27FC236}">
                 <a16:creationId xmlns:a16="http://schemas.microsoft.com/office/drawing/2014/main" id="{BEAFAEBA-19A1-F47C-A2B7-3886AE2A28CB}"/>
               </a:ext>
             </a:extLst>
@@ -17502,7 +17630,7 @@
             <a:pPr rtl="0"/>
             <a:fld id="{3A98EE3D-8CD1-4C3F-BD1C-C98C9596463C}" type="slidenum">
               <a:rPr lang="pt-BR" noProof="0" smtClean="0"/>
-              <a:t>50</a:t>
+              <a:t>51</a:t>
             </a:fld>
             <a:endParaRPr lang="pt-BR" noProof="0"/>
           </a:p>
@@ -17512,122 +17640,6 @@
     <p:extLst>
       <p:ext uri="{BB962C8B-B14F-4D97-AF65-F5344CB8AC3E}">
         <p14:creationId xmlns:p14="http://schemas.microsoft.com/office/powerpoint/2010/main" val="1194657967"/>
-      </p:ext>
-    </p:extLst>
-  </p:cSld>
-  <p:clrMapOvr>
-    <a:masterClrMapping/>
-  </p:clrMapOvr>
-</p:sld>
-</file>
-
-<file path=ppt/slides/slide51.xml><?xml version="1.0" encoding="utf-8"?>
-<p:sld xmlns:a="http://schemas.openxmlformats.org/drawingml/2006/main" xmlns:r="http://schemas.openxmlformats.org/officeDocument/2006/relationships" xmlns:p="http://schemas.openxmlformats.org/presentationml/2006/main">
-  <p:cSld>
-    <p:spTree>
-      <p:nvGrpSpPr>
-        <p:cNvPr id="1" name=""/>
-        <p:cNvGrpSpPr/>
-        <p:nvPr/>
-      </p:nvGrpSpPr>
-      <p:grpSpPr>
-        <a:xfrm>
-          <a:off x="0" y="0"/>
-          <a:ext cx="0" cy="0"/>
-          <a:chOff x="0" y="0"/>
-          <a:chExt cx="0" cy="0"/>
-        </a:xfrm>
-      </p:grpSpPr>
-      <p:sp>
-        <p:nvSpPr>
-          <p:cNvPr id="5" name="Título 4">
-            <a:extLst>
-              <a:ext uri="{FF2B5EF4-FFF2-40B4-BE49-F238E27FC236}">
-                <a16:creationId xmlns:a16="http://schemas.microsoft.com/office/drawing/2014/main" id="{B225EF82-9D46-5DB9-13AF-C3ED330147B9}"/>
-              </a:ext>
-            </a:extLst>
-          </p:cNvPr>
-          <p:cNvSpPr>
-            <a:spLocks noGrp="1"/>
-          </p:cNvSpPr>
-          <p:nvPr>
-            <p:ph type="ctrTitle"/>
-          </p:nvPr>
-        </p:nvSpPr>
-        <p:spPr/>
-        <p:txBody>
-          <a:bodyPr/>
-          <a:lstStyle/>
-          <a:p>
-            <a:r>
-              <a:rPr lang="pt-BR" dirty="0"/>
-              <a:t>Resultados da Cópia</a:t>
-            </a:r>
-          </a:p>
-        </p:txBody>
-      </p:sp>
-      <p:sp>
-        <p:nvSpPr>
-          <p:cNvPr id="6" name="Subtítulo 5">
-            <a:extLst>
-              <a:ext uri="{FF2B5EF4-FFF2-40B4-BE49-F238E27FC236}">
-                <a16:creationId xmlns:a16="http://schemas.microsoft.com/office/drawing/2014/main" id="{FF64D49F-AD5D-F349-D62C-F8C716A7D615}"/>
-              </a:ext>
-            </a:extLst>
-          </p:cNvPr>
-          <p:cNvSpPr>
-            <a:spLocks noGrp="1"/>
-          </p:cNvSpPr>
-          <p:nvPr>
-            <p:ph type="subTitle" idx="1"/>
-          </p:nvPr>
-        </p:nvSpPr>
-        <p:spPr/>
-        <p:txBody>
-          <a:bodyPr/>
-          <a:lstStyle/>
-          <a:p>
-            <a:r>
-              <a:rPr lang="pt-BR" dirty="0"/>
-              <a:t>A qualidade do Modelo na Tarefa de Cópia</a:t>
-            </a:r>
-          </a:p>
-        </p:txBody>
-      </p:sp>
-      <p:sp>
-        <p:nvSpPr>
-          <p:cNvPr id="4" name="Espaço Reservado para Número de Slide 3">
-            <a:extLst>
-              <a:ext uri="{FF2B5EF4-FFF2-40B4-BE49-F238E27FC236}">
-                <a16:creationId xmlns:a16="http://schemas.microsoft.com/office/drawing/2014/main" id="{BB2066EB-D2F7-82AA-7C07-D61AB904BB2F}"/>
-              </a:ext>
-            </a:extLst>
-          </p:cNvPr>
-          <p:cNvSpPr>
-            <a:spLocks noGrp="1"/>
-          </p:cNvSpPr>
-          <p:nvPr>
-            <p:ph type="sldNum" sz="quarter" idx="12"/>
-          </p:nvPr>
-        </p:nvSpPr>
-        <p:spPr/>
-        <p:txBody>
-          <a:bodyPr/>
-          <a:lstStyle/>
-          <a:p>
-            <a:pPr rtl="0"/>
-            <a:fld id="{3A98EE3D-8CD1-4C3F-BD1C-C98C9596463C}" type="slidenum">
-              <a:rPr lang="pt-BR" noProof="0" smtClean="0"/>
-              <a:t>51</a:t>
-            </a:fld>
-            <a:endParaRPr lang="pt-BR" noProof="0" dirty="0"/>
-          </a:p>
-        </p:txBody>
-      </p:sp>
-    </p:spTree>
-    <p:extLst>
-      <p:ext uri="{BB962C8B-B14F-4D97-AF65-F5344CB8AC3E}">
-        <p14:creationId xmlns:p14="http://schemas.microsoft.com/office/powerpoint/2010/main" val="2217024148"/>
       </p:ext>
     </p:extLst>
   </p:cSld>
@@ -17656,10 +17668,10 @@
       </p:grpSpPr>
       <p:sp>
         <p:nvSpPr>
-          <p:cNvPr id="2" name="Título 1">
+          <p:cNvPr id="5" name="Título 4">
             <a:extLst>
               <a:ext uri="{FF2B5EF4-FFF2-40B4-BE49-F238E27FC236}">
-                <a16:creationId xmlns:a16="http://schemas.microsoft.com/office/drawing/2014/main" id="{39ED1D9B-2EBF-CA09-1B79-E4E772D5B9FA}"/>
+                <a16:creationId xmlns:a16="http://schemas.microsoft.com/office/drawing/2014/main" id="{B225EF82-9D46-5DB9-13AF-C3ED330147B9}"/>
               </a:ext>
             </a:extLst>
           </p:cNvPr>
@@ -17667,7 +17679,7 @@
             <a:spLocks noGrp="1"/>
           </p:cNvSpPr>
           <p:nvPr>
-            <p:ph type="title"/>
+            <p:ph type="ctrTitle"/>
           </p:nvPr>
         </p:nvSpPr>
         <p:spPr/>
@@ -17684,10 +17696,10 @@
       </p:sp>
       <p:sp>
         <p:nvSpPr>
-          <p:cNvPr id="3" name="Espaço Reservado para Conteúdo 2">
+          <p:cNvPr id="6" name="Subtítulo 5">
             <a:extLst>
               <a:ext uri="{FF2B5EF4-FFF2-40B4-BE49-F238E27FC236}">
-                <a16:creationId xmlns:a16="http://schemas.microsoft.com/office/drawing/2014/main" id="{F083B17B-974D-940D-0705-F975CA9BFEA8}"/>
+                <a16:creationId xmlns:a16="http://schemas.microsoft.com/office/drawing/2014/main" id="{FF64D49F-AD5D-F349-D62C-F8C716A7D615}"/>
               </a:ext>
             </a:extLst>
           </p:cNvPr>
@@ -17695,7 +17707,7 @@
             <a:spLocks noGrp="1"/>
           </p:cNvSpPr>
           <p:nvPr>
-            <p:ph idx="1"/>
+            <p:ph type="subTitle" idx="1"/>
           </p:nvPr>
         </p:nvSpPr>
         <p:spPr/>
@@ -17703,71 +17715,10 @@
           <a:bodyPr/>
           <a:lstStyle/>
           <a:p>
-            <a:pPr marL="36900" indent="0">
-              <a:buNone/>
-            </a:pPr>
-            <a:r>
-              <a:rPr lang="pt-BR" b="1" dirty="0"/>
-              <a:t>🔹 Avaliação Quantitativa</a:t>
-            </a:r>
-            <a:endParaRPr lang="pt-BR" dirty="0"/>
-          </a:p>
-          <a:p>
-            <a:pPr lvl="1"/>
             <a:r>
               <a:rPr lang="pt-BR" dirty="0"/>
-              <a:t>Acurácia (bit a bit): </a:t>
-            </a:r>
-            <a:r>
-              <a:rPr lang="pt-BR" b="1" dirty="0"/>
-              <a:t>99,97%</a:t>
-            </a:r>
-            <a:endParaRPr lang="pt-BR" dirty="0"/>
-          </a:p>
-          <a:p>
-            <a:pPr lvl="1"/>
-            <a:r>
-              <a:rPr lang="pt-BR" dirty="0"/>
-              <a:t>Precisão: </a:t>
-            </a:r>
-            <a:r>
-              <a:rPr lang="pt-BR" b="1" dirty="0"/>
-              <a:t>100%</a:t>
-            </a:r>
-            <a:endParaRPr lang="pt-BR" dirty="0"/>
-          </a:p>
-          <a:p>
-            <a:pPr lvl="1"/>
-            <a:r>
-              <a:rPr lang="pt-BR" dirty="0"/>
-              <a:t>Recall: </a:t>
-            </a:r>
-            <a:r>
-              <a:rPr lang="pt-BR" b="1" dirty="0"/>
-              <a:t>99,95%</a:t>
-            </a:r>
-            <a:endParaRPr lang="pt-BR" dirty="0"/>
-          </a:p>
-          <a:p>
-            <a:pPr lvl="1"/>
-            <a:r>
-              <a:rPr lang="pt-BR" dirty="0"/>
-              <a:t>F1 Score: </a:t>
-            </a:r>
-            <a:r>
-              <a:rPr lang="pt-BR" b="1" dirty="0"/>
-              <a:t>99,97%</a:t>
-            </a:r>
-            <a:endParaRPr lang="pt-BR" dirty="0"/>
-          </a:p>
-          <a:p>
-            <a:r>
-              <a:rPr lang="pt-BR" dirty="0"/>
-              <a:t>Resultados baseados em 400 exemplos aleatórios do conjunto de testes recém-gerado</a:t>
-            </a:r>
-          </a:p>
-          <a:p>
-            <a:endParaRPr lang="pt-BR" dirty="0"/>
+              <a:t>A qualidade do Modelo na Tarefa de Cópia e Inversão</a:t>
+            </a:r>
           </a:p>
         </p:txBody>
       </p:sp>
@@ -17776,7 +17727,7 @@
           <p:cNvPr id="4" name="Espaço Reservado para Número de Slide 3">
             <a:extLst>
               <a:ext uri="{FF2B5EF4-FFF2-40B4-BE49-F238E27FC236}">
-                <a16:creationId xmlns:a16="http://schemas.microsoft.com/office/drawing/2014/main" id="{10F8042A-E0AD-F8CD-868C-5336D38FB93F}"/>
+                <a16:creationId xmlns:a16="http://schemas.microsoft.com/office/drawing/2014/main" id="{BB2066EB-D2F7-82AA-7C07-D61AB904BB2F}"/>
               </a:ext>
             </a:extLst>
           </p:cNvPr>
@@ -17804,7 +17755,7 @@
     </p:spTree>
     <p:extLst>
       <p:ext uri="{BB962C8B-B14F-4D97-AF65-F5344CB8AC3E}">
-        <p14:creationId xmlns:p14="http://schemas.microsoft.com/office/powerpoint/2010/main" val="3619025836"/>
+        <p14:creationId xmlns:p14="http://schemas.microsoft.com/office/powerpoint/2010/main" val="2217024148"/>
       </p:ext>
     </p:extLst>
   </p:cSld>
@@ -17815,6 +17766,1265 @@
 </file>
 
 <file path=ppt/slides/slide53.xml><?xml version="1.0" encoding="utf-8"?>
+<p:sld xmlns:a="http://schemas.openxmlformats.org/drawingml/2006/main" xmlns:r="http://schemas.openxmlformats.org/officeDocument/2006/relationships" xmlns:p="http://schemas.openxmlformats.org/presentationml/2006/main">
+  <p:cSld>
+    <p:spTree>
+      <p:nvGrpSpPr>
+        <p:cNvPr id="1" name="">
+          <a:extLst>
+            <a:ext uri="{FF2B5EF4-FFF2-40B4-BE49-F238E27FC236}">
+              <a16:creationId xmlns:a16="http://schemas.microsoft.com/office/drawing/2014/main" id="{A4E659B9-B1B0-6236-F7B0-2A1058E35349}"/>
+            </a:ext>
+          </a:extLst>
+        </p:cNvPr>
+        <p:cNvGrpSpPr/>
+        <p:nvPr/>
+      </p:nvGrpSpPr>
+      <p:grpSpPr>
+        <a:xfrm>
+          <a:off x="0" y="0"/>
+          <a:ext cx="0" cy="0"/>
+          <a:chOff x="0" y="0"/>
+          <a:chExt cx="0" cy="0"/>
+        </a:xfrm>
+      </p:grpSpPr>
+      <p:sp>
+        <p:nvSpPr>
+          <p:cNvPr id="2" name="Título 1">
+            <a:extLst>
+              <a:ext uri="{FF2B5EF4-FFF2-40B4-BE49-F238E27FC236}">
+                <a16:creationId xmlns:a16="http://schemas.microsoft.com/office/drawing/2014/main" id="{902183C5-D4E2-4713-E449-8BAE8028BD7D}"/>
+              </a:ext>
+            </a:extLst>
+          </p:cNvPr>
+          <p:cNvSpPr>
+            <a:spLocks noGrp="1"/>
+          </p:cNvSpPr>
+          <p:nvPr>
+            <p:ph type="title"/>
+          </p:nvPr>
+        </p:nvSpPr>
+        <p:spPr/>
+        <p:txBody>
+          <a:bodyPr/>
+          <a:lstStyle/>
+          <a:p>
+            <a:r>
+              <a:rPr lang="pt-BR" dirty="0"/>
+              <a:t>Resultados</a:t>
+            </a:r>
+          </a:p>
+        </p:txBody>
+      </p:sp>
+      <p:sp>
+        <p:nvSpPr>
+          <p:cNvPr id="4" name="Espaço Reservado para Número de Slide 3">
+            <a:extLst>
+              <a:ext uri="{FF2B5EF4-FFF2-40B4-BE49-F238E27FC236}">
+                <a16:creationId xmlns:a16="http://schemas.microsoft.com/office/drawing/2014/main" id="{85F70BCA-BDF1-97B6-4435-CE211BB3822C}"/>
+              </a:ext>
+            </a:extLst>
+          </p:cNvPr>
+          <p:cNvSpPr>
+            <a:spLocks noGrp="1"/>
+          </p:cNvSpPr>
+          <p:nvPr>
+            <p:ph type="sldNum" sz="quarter" idx="12"/>
+          </p:nvPr>
+        </p:nvSpPr>
+        <p:spPr/>
+        <p:txBody>
+          <a:bodyPr/>
+          <a:lstStyle/>
+          <a:p>
+            <a:pPr rtl="0"/>
+            <a:fld id="{3A98EE3D-8CD1-4C3F-BD1C-C98C9596463C}" type="slidenum">
+              <a:rPr lang="pt-BR" noProof="0" smtClean="0"/>
+              <a:t>53</a:t>
+            </a:fld>
+            <a:endParaRPr lang="pt-BR" noProof="0" dirty="0"/>
+          </a:p>
+        </p:txBody>
+      </p:sp>
+      <p:graphicFrame>
+        <p:nvGraphicFramePr>
+          <p:cNvPr id="6" name="Tabela 5">
+            <a:extLst>
+              <a:ext uri="{FF2B5EF4-FFF2-40B4-BE49-F238E27FC236}">
+                <a16:creationId xmlns:a16="http://schemas.microsoft.com/office/drawing/2014/main" id="{73F01942-80A0-E36A-7BCE-806EF833EAA9}"/>
+              </a:ext>
+            </a:extLst>
+          </p:cNvPr>
+          <p:cNvGraphicFramePr>
+            <a:graphicFrameLocks noGrp="1"/>
+          </p:cNvGraphicFramePr>
+          <p:nvPr>
+            <p:extLst>
+              <p:ext uri="{D42A27DB-BD31-4B8C-83A1-F6EECF244321}">
+                <p14:modId xmlns:p14="http://schemas.microsoft.com/office/powerpoint/2010/main" val="1688479063"/>
+              </p:ext>
+            </p:extLst>
+          </p:nvPr>
+        </p:nvGraphicFramePr>
+        <p:xfrm>
+          <a:off x="380246" y="2037029"/>
+          <a:ext cx="11570328" cy="3603282"/>
+        </p:xfrm>
+        <a:graphic>
+          <a:graphicData uri="http://schemas.openxmlformats.org/drawingml/2006/table">
+            <a:tbl>
+              <a:tblPr>
+                <a:tableStyleId>{2D5ABB26-0587-4C30-8999-92F81FD0307C}</a:tableStyleId>
+              </a:tblPr>
+              <a:tblGrid>
+                <a:gridCol w="3856776">
+                  <a:extLst>
+                    <a:ext uri="{9D8B030D-6E8A-4147-A177-3AD203B41FA5}">
+                      <a16:colId xmlns:a16="http://schemas.microsoft.com/office/drawing/2014/main" val="3466205923"/>
+                    </a:ext>
+                  </a:extLst>
+                </a:gridCol>
+                <a:gridCol w="3856776">
+                  <a:extLst>
+                    <a:ext uri="{9D8B030D-6E8A-4147-A177-3AD203B41FA5}">
+                      <a16:colId xmlns:a16="http://schemas.microsoft.com/office/drawing/2014/main" val="3304678146"/>
+                    </a:ext>
+                  </a:extLst>
+                </a:gridCol>
+                <a:gridCol w="3856776">
+                  <a:extLst>
+                    <a:ext uri="{9D8B030D-6E8A-4147-A177-3AD203B41FA5}">
+                      <a16:colId xmlns:a16="http://schemas.microsoft.com/office/drawing/2014/main" val="1466099924"/>
+                    </a:ext>
+                  </a:extLst>
+                </a:gridCol>
+              </a:tblGrid>
+              <a:tr h="600547">
+                <a:tc>
+                  <a:txBody>
+                    <a:bodyPr/>
+                    <a:lstStyle/>
+                    <a:p>
+                      <a:pPr>
+                        <a:buNone/>
+                      </a:pPr>
+                      <a:r>
+                        <a:rPr lang="pt-BR" dirty="0">
+                          <a:solidFill>
+                            <a:schemeClr val="tx2"/>
+                          </a:solidFill>
+                        </a:rPr>
+                        <a:t>Métrica</a:t>
+                      </a:r>
+                    </a:p>
+                  </a:txBody>
+                  <a:tcPr anchor="ctr">
+                    <a:lnL w="12700" cap="flat" cmpd="sng" algn="ctr">
+                      <a:solidFill>
+                        <a:schemeClr val="tx2"/>
+                      </a:solidFill>
+                      <a:prstDash val="solid"/>
+                      <a:round/>
+                      <a:headEnd type="none" w="med" len="med"/>
+                      <a:tailEnd type="none" w="med" len="med"/>
+                    </a:lnL>
+                    <a:lnR w="12700" cap="flat" cmpd="sng" algn="ctr">
+                      <a:solidFill>
+                        <a:schemeClr val="tx2"/>
+                      </a:solidFill>
+                      <a:prstDash val="solid"/>
+                      <a:round/>
+                      <a:headEnd type="none" w="med" len="med"/>
+                      <a:tailEnd type="none" w="med" len="med"/>
+                    </a:lnR>
+                    <a:lnT w="12700" cap="flat" cmpd="sng" algn="ctr">
+                      <a:solidFill>
+                        <a:schemeClr val="tx2"/>
+                      </a:solidFill>
+                      <a:prstDash val="solid"/>
+                      <a:round/>
+                      <a:headEnd type="none" w="med" len="med"/>
+                      <a:tailEnd type="none" w="med" len="med"/>
+                    </a:lnT>
+                    <a:lnB w="12700" cap="flat" cmpd="sng" algn="ctr">
+                      <a:solidFill>
+                        <a:schemeClr val="tx2"/>
+                      </a:solidFill>
+                      <a:prstDash val="solid"/>
+                      <a:round/>
+                      <a:headEnd type="none" w="med" len="med"/>
+                      <a:tailEnd type="none" w="med" len="med"/>
+                    </a:lnB>
+                  </a:tcPr>
+                </a:tc>
+                <a:tc>
+                  <a:txBody>
+                    <a:bodyPr/>
+                    <a:lstStyle/>
+                    <a:p>
+                      <a:pPr>
+                        <a:buNone/>
+                      </a:pPr>
+                      <a:r>
+                        <a:rPr lang="pt-BR">
+                          <a:solidFill>
+                            <a:schemeClr val="tx2"/>
+                          </a:solidFill>
+                        </a:rPr>
+                        <a:t>Tarefa de Cópia</a:t>
+                      </a:r>
+                    </a:p>
+                  </a:txBody>
+                  <a:tcPr anchor="ctr">
+                    <a:lnL w="12700" cap="flat" cmpd="sng" algn="ctr">
+                      <a:solidFill>
+                        <a:schemeClr val="tx2"/>
+                      </a:solidFill>
+                      <a:prstDash val="solid"/>
+                      <a:round/>
+                      <a:headEnd type="none" w="med" len="med"/>
+                      <a:tailEnd type="none" w="med" len="med"/>
+                    </a:lnL>
+                    <a:lnR w="12700" cap="flat" cmpd="sng" algn="ctr">
+                      <a:solidFill>
+                        <a:schemeClr val="tx2"/>
+                      </a:solidFill>
+                      <a:prstDash val="solid"/>
+                      <a:round/>
+                      <a:headEnd type="none" w="med" len="med"/>
+                      <a:tailEnd type="none" w="med" len="med"/>
+                    </a:lnR>
+                    <a:lnT w="12700" cap="flat" cmpd="sng" algn="ctr">
+                      <a:solidFill>
+                        <a:schemeClr val="tx2"/>
+                      </a:solidFill>
+                      <a:prstDash val="solid"/>
+                      <a:round/>
+                      <a:headEnd type="none" w="med" len="med"/>
+                      <a:tailEnd type="none" w="med" len="med"/>
+                    </a:lnT>
+                    <a:lnB w="12700" cap="flat" cmpd="sng" algn="ctr">
+                      <a:solidFill>
+                        <a:schemeClr val="tx2"/>
+                      </a:solidFill>
+                      <a:prstDash val="solid"/>
+                      <a:round/>
+                      <a:headEnd type="none" w="med" len="med"/>
+                      <a:tailEnd type="none" w="med" len="med"/>
+                    </a:lnB>
+                  </a:tcPr>
+                </a:tc>
+                <a:tc>
+                  <a:txBody>
+                    <a:bodyPr/>
+                    <a:lstStyle/>
+                    <a:p>
+                      <a:pPr>
+                        <a:buNone/>
+                      </a:pPr>
+                      <a:r>
+                        <a:rPr lang="pt-BR" dirty="0">
+                          <a:solidFill>
+                            <a:schemeClr val="tx2"/>
+                          </a:solidFill>
+                        </a:rPr>
+                        <a:t>Tarefa de Inversão</a:t>
+                      </a:r>
+                    </a:p>
+                  </a:txBody>
+                  <a:tcPr anchor="ctr">
+                    <a:lnL w="12700" cap="flat" cmpd="sng" algn="ctr">
+                      <a:solidFill>
+                        <a:schemeClr val="tx2"/>
+                      </a:solidFill>
+                      <a:prstDash val="solid"/>
+                      <a:round/>
+                      <a:headEnd type="none" w="med" len="med"/>
+                      <a:tailEnd type="none" w="med" len="med"/>
+                    </a:lnL>
+                    <a:lnR w="12700" cap="flat" cmpd="sng" algn="ctr">
+                      <a:solidFill>
+                        <a:schemeClr val="tx2"/>
+                      </a:solidFill>
+                      <a:prstDash val="solid"/>
+                      <a:round/>
+                      <a:headEnd type="none" w="med" len="med"/>
+                      <a:tailEnd type="none" w="med" len="med"/>
+                    </a:lnR>
+                    <a:lnT w="12700" cap="flat" cmpd="sng" algn="ctr">
+                      <a:solidFill>
+                        <a:schemeClr val="tx2"/>
+                      </a:solidFill>
+                      <a:prstDash val="solid"/>
+                      <a:round/>
+                      <a:headEnd type="none" w="med" len="med"/>
+                      <a:tailEnd type="none" w="med" len="med"/>
+                    </a:lnT>
+                    <a:lnB w="12700" cap="flat" cmpd="sng" algn="ctr">
+                      <a:solidFill>
+                        <a:schemeClr val="tx2"/>
+                      </a:solidFill>
+                      <a:prstDash val="solid"/>
+                      <a:round/>
+                      <a:headEnd type="none" w="med" len="med"/>
+                      <a:tailEnd type="none" w="med" len="med"/>
+                    </a:lnB>
+                  </a:tcPr>
+                </a:tc>
+                <a:extLst>
+                  <a:ext uri="{0D108BD9-81ED-4DB2-BD59-A6C34878D82A}">
+                    <a16:rowId xmlns:a16="http://schemas.microsoft.com/office/drawing/2014/main" val="1448970051"/>
+                  </a:ext>
+                </a:extLst>
+              </a:tr>
+              <a:tr h="600547">
+                <a:tc>
+                  <a:txBody>
+                    <a:bodyPr/>
+                    <a:lstStyle/>
+                    <a:p>
+                      <a:pPr>
+                        <a:buNone/>
+                      </a:pPr>
+                      <a:r>
+                        <a:rPr lang="pt-BR">
+                          <a:solidFill>
+                            <a:schemeClr val="tx2"/>
+                          </a:solidFill>
+                        </a:rPr>
+                        <a:t>Acurácia (bit a bit)</a:t>
+                      </a:r>
+                    </a:p>
+                  </a:txBody>
+                  <a:tcPr anchor="ctr">
+                    <a:lnL w="12700" cap="flat" cmpd="sng" algn="ctr">
+                      <a:solidFill>
+                        <a:schemeClr val="tx2"/>
+                      </a:solidFill>
+                      <a:prstDash val="solid"/>
+                      <a:round/>
+                      <a:headEnd type="none" w="med" len="med"/>
+                      <a:tailEnd type="none" w="med" len="med"/>
+                    </a:lnL>
+                    <a:lnR w="12700" cap="flat" cmpd="sng" algn="ctr">
+                      <a:solidFill>
+                        <a:schemeClr val="tx2"/>
+                      </a:solidFill>
+                      <a:prstDash val="solid"/>
+                      <a:round/>
+                      <a:headEnd type="none" w="med" len="med"/>
+                      <a:tailEnd type="none" w="med" len="med"/>
+                    </a:lnR>
+                    <a:lnT w="12700" cap="flat" cmpd="sng" algn="ctr">
+                      <a:solidFill>
+                        <a:schemeClr val="tx2"/>
+                      </a:solidFill>
+                      <a:prstDash val="solid"/>
+                      <a:round/>
+                      <a:headEnd type="none" w="med" len="med"/>
+                      <a:tailEnd type="none" w="med" len="med"/>
+                    </a:lnT>
+                    <a:lnB w="12700" cap="flat" cmpd="sng" algn="ctr">
+                      <a:solidFill>
+                        <a:schemeClr val="tx2"/>
+                      </a:solidFill>
+                      <a:prstDash val="solid"/>
+                      <a:round/>
+                      <a:headEnd type="none" w="med" len="med"/>
+                      <a:tailEnd type="none" w="med" len="med"/>
+                    </a:lnB>
+                  </a:tcPr>
+                </a:tc>
+                <a:tc>
+                  <a:txBody>
+                    <a:bodyPr/>
+                    <a:lstStyle/>
+                    <a:p>
+                      <a:pPr>
+                        <a:buNone/>
+                      </a:pPr>
+                      <a:r>
+                        <a:rPr lang="pt-BR" b="1">
+                          <a:solidFill>
+                            <a:schemeClr val="tx2"/>
+                          </a:solidFill>
+                        </a:rPr>
+                        <a:t>99,97%</a:t>
+                      </a:r>
+                      <a:endParaRPr lang="pt-BR">
+                        <a:solidFill>
+                          <a:schemeClr val="tx2"/>
+                        </a:solidFill>
+                      </a:endParaRPr>
+                    </a:p>
+                  </a:txBody>
+                  <a:tcPr anchor="ctr">
+                    <a:lnL w="12700" cap="flat" cmpd="sng" algn="ctr">
+                      <a:solidFill>
+                        <a:schemeClr val="tx2"/>
+                      </a:solidFill>
+                      <a:prstDash val="solid"/>
+                      <a:round/>
+                      <a:headEnd type="none" w="med" len="med"/>
+                      <a:tailEnd type="none" w="med" len="med"/>
+                    </a:lnL>
+                    <a:lnR w="12700" cap="flat" cmpd="sng" algn="ctr">
+                      <a:solidFill>
+                        <a:schemeClr val="tx2"/>
+                      </a:solidFill>
+                      <a:prstDash val="solid"/>
+                      <a:round/>
+                      <a:headEnd type="none" w="med" len="med"/>
+                      <a:tailEnd type="none" w="med" len="med"/>
+                    </a:lnR>
+                    <a:lnT w="12700" cap="flat" cmpd="sng" algn="ctr">
+                      <a:solidFill>
+                        <a:schemeClr val="tx2"/>
+                      </a:solidFill>
+                      <a:prstDash val="solid"/>
+                      <a:round/>
+                      <a:headEnd type="none" w="med" len="med"/>
+                      <a:tailEnd type="none" w="med" len="med"/>
+                    </a:lnT>
+                    <a:lnB w="12700" cap="flat" cmpd="sng" algn="ctr">
+                      <a:solidFill>
+                        <a:schemeClr val="tx2"/>
+                      </a:solidFill>
+                      <a:prstDash val="solid"/>
+                      <a:round/>
+                      <a:headEnd type="none" w="med" len="med"/>
+                      <a:tailEnd type="none" w="med" len="med"/>
+                    </a:lnB>
+                  </a:tcPr>
+                </a:tc>
+                <a:tc>
+                  <a:txBody>
+                    <a:bodyPr/>
+                    <a:lstStyle/>
+                    <a:p>
+                      <a:pPr>
+                        <a:buNone/>
+                      </a:pPr>
+                      <a:r>
+                        <a:rPr lang="pt-BR" b="1" dirty="0">
+                          <a:solidFill>
+                            <a:schemeClr val="tx2"/>
+                          </a:solidFill>
+                        </a:rPr>
+                        <a:t>99,64%</a:t>
+                      </a:r>
+                      <a:endParaRPr lang="pt-BR" dirty="0">
+                        <a:solidFill>
+                          <a:schemeClr val="tx2"/>
+                        </a:solidFill>
+                      </a:endParaRPr>
+                    </a:p>
+                  </a:txBody>
+                  <a:tcPr anchor="ctr">
+                    <a:lnL w="12700" cap="flat" cmpd="sng" algn="ctr">
+                      <a:solidFill>
+                        <a:schemeClr val="tx2"/>
+                      </a:solidFill>
+                      <a:prstDash val="solid"/>
+                      <a:round/>
+                      <a:headEnd type="none" w="med" len="med"/>
+                      <a:tailEnd type="none" w="med" len="med"/>
+                    </a:lnL>
+                    <a:lnR w="12700" cap="flat" cmpd="sng" algn="ctr">
+                      <a:solidFill>
+                        <a:schemeClr val="tx2"/>
+                      </a:solidFill>
+                      <a:prstDash val="solid"/>
+                      <a:round/>
+                      <a:headEnd type="none" w="med" len="med"/>
+                      <a:tailEnd type="none" w="med" len="med"/>
+                    </a:lnR>
+                    <a:lnT w="12700" cap="flat" cmpd="sng" algn="ctr">
+                      <a:solidFill>
+                        <a:schemeClr val="tx2"/>
+                      </a:solidFill>
+                      <a:prstDash val="solid"/>
+                      <a:round/>
+                      <a:headEnd type="none" w="med" len="med"/>
+                      <a:tailEnd type="none" w="med" len="med"/>
+                    </a:lnT>
+                    <a:lnB w="12700" cap="flat" cmpd="sng" algn="ctr">
+                      <a:solidFill>
+                        <a:schemeClr val="tx2"/>
+                      </a:solidFill>
+                      <a:prstDash val="solid"/>
+                      <a:round/>
+                      <a:headEnd type="none" w="med" len="med"/>
+                      <a:tailEnd type="none" w="med" len="med"/>
+                    </a:lnB>
+                  </a:tcPr>
+                </a:tc>
+                <a:extLst>
+                  <a:ext uri="{0D108BD9-81ED-4DB2-BD59-A6C34878D82A}">
+                    <a16:rowId xmlns:a16="http://schemas.microsoft.com/office/drawing/2014/main" val="4091221865"/>
+                  </a:ext>
+                </a:extLst>
+              </a:tr>
+              <a:tr h="600547">
+                <a:tc>
+                  <a:txBody>
+                    <a:bodyPr/>
+                    <a:lstStyle/>
+                    <a:p>
+                      <a:pPr>
+                        <a:buNone/>
+                      </a:pPr>
+                      <a:r>
+                        <a:rPr lang="pt-BR">
+                          <a:solidFill>
+                            <a:schemeClr val="tx2"/>
+                          </a:solidFill>
+                        </a:rPr>
+                        <a:t>Precisão</a:t>
+                      </a:r>
+                    </a:p>
+                  </a:txBody>
+                  <a:tcPr anchor="ctr">
+                    <a:lnL w="12700" cap="flat" cmpd="sng" algn="ctr">
+                      <a:solidFill>
+                        <a:schemeClr val="tx2"/>
+                      </a:solidFill>
+                      <a:prstDash val="solid"/>
+                      <a:round/>
+                      <a:headEnd type="none" w="med" len="med"/>
+                      <a:tailEnd type="none" w="med" len="med"/>
+                    </a:lnL>
+                    <a:lnR w="12700" cap="flat" cmpd="sng" algn="ctr">
+                      <a:solidFill>
+                        <a:schemeClr val="tx2"/>
+                      </a:solidFill>
+                      <a:prstDash val="solid"/>
+                      <a:round/>
+                      <a:headEnd type="none" w="med" len="med"/>
+                      <a:tailEnd type="none" w="med" len="med"/>
+                    </a:lnR>
+                    <a:lnT w="12700" cap="flat" cmpd="sng" algn="ctr">
+                      <a:solidFill>
+                        <a:schemeClr val="tx2"/>
+                      </a:solidFill>
+                      <a:prstDash val="solid"/>
+                      <a:round/>
+                      <a:headEnd type="none" w="med" len="med"/>
+                      <a:tailEnd type="none" w="med" len="med"/>
+                    </a:lnT>
+                    <a:lnB w="12700" cap="flat" cmpd="sng" algn="ctr">
+                      <a:solidFill>
+                        <a:schemeClr val="tx2"/>
+                      </a:solidFill>
+                      <a:prstDash val="solid"/>
+                      <a:round/>
+                      <a:headEnd type="none" w="med" len="med"/>
+                      <a:tailEnd type="none" w="med" len="med"/>
+                    </a:lnB>
+                  </a:tcPr>
+                </a:tc>
+                <a:tc>
+                  <a:txBody>
+                    <a:bodyPr/>
+                    <a:lstStyle/>
+                    <a:p>
+                      <a:pPr>
+                        <a:buNone/>
+                      </a:pPr>
+                      <a:r>
+                        <a:rPr lang="pt-BR" b="1">
+                          <a:solidFill>
+                            <a:schemeClr val="tx2"/>
+                          </a:solidFill>
+                        </a:rPr>
+                        <a:t>100%</a:t>
+                      </a:r>
+                      <a:endParaRPr lang="pt-BR">
+                        <a:solidFill>
+                          <a:schemeClr val="tx2"/>
+                        </a:solidFill>
+                      </a:endParaRPr>
+                    </a:p>
+                  </a:txBody>
+                  <a:tcPr anchor="ctr">
+                    <a:lnL w="12700" cap="flat" cmpd="sng" algn="ctr">
+                      <a:solidFill>
+                        <a:schemeClr val="tx2"/>
+                      </a:solidFill>
+                      <a:prstDash val="solid"/>
+                      <a:round/>
+                      <a:headEnd type="none" w="med" len="med"/>
+                      <a:tailEnd type="none" w="med" len="med"/>
+                    </a:lnL>
+                    <a:lnR w="12700" cap="flat" cmpd="sng" algn="ctr">
+                      <a:solidFill>
+                        <a:schemeClr val="tx2"/>
+                      </a:solidFill>
+                      <a:prstDash val="solid"/>
+                      <a:round/>
+                      <a:headEnd type="none" w="med" len="med"/>
+                      <a:tailEnd type="none" w="med" len="med"/>
+                    </a:lnR>
+                    <a:lnT w="12700" cap="flat" cmpd="sng" algn="ctr">
+                      <a:solidFill>
+                        <a:schemeClr val="tx2"/>
+                      </a:solidFill>
+                      <a:prstDash val="solid"/>
+                      <a:round/>
+                      <a:headEnd type="none" w="med" len="med"/>
+                      <a:tailEnd type="none" w="med" len="med"/>
+                    </a:lnT>
+                    <a:lnB w="12700" cap="flat" cmpd="sng" algn="ctr">
+                      <a:solidFill>
+                        <a:schemeClr val="tx2"/>
+                      </a:solidFill>
+                      <a:prstDash val="solid"/>
+                      <a:round/>
+                      <a:headEnd type="none" w="med" len="med"/>
+                      <a:tailEnd type="none" w="med" len="med"/>
+                    </a:lnB>
+                  </a:tcPr>
+                </a:tc>
+                <a:tc>
+                  <a:txBody>
+                    <a:bodyPr/>
+                    <a:lstStyle/>
+                    <a:p>
+                      <a:pPr>
+                        <a:buNone/>
+                      </a:pPr>
+                      <a:r>
+                        <a:rPr lang="pt-BR" b="1" dirty="0">
+                          <a:solidFill>
+                            <a:schemeClr val="tx2"/>
+                          </a:solidFill>
+                        </a:rPr>
+                        <a:t>100%</a:t>
+                      </a:r>
+                      <a:endParaRPr lang="pt-BR" dirty="0">
+                        <a:solidFill>
+                          <a:schemeClr val="tx2"/>
+                        </a:solidFill>
+                      </a:endParaRPr>
+                    </a:p>
+                  </a:txBody>
+                  <a:tcPr anchor="ctr">
+                    <a:lnL w="12700" cap="flat" cmpd="sng" algn="ctr">
+                      <a:solidFill>
+                        <a:schemeClr val="tx2"/>
+                      </a:solidFill>
+                      <a:prstDash val="solid"/>
+                      <a:round/>
+                      <a:headEnd type="none" w="med" len="med"/>
+                      <a:tailEnd type="none" w="med" len="med"/>
+                    </a:lnL>
+                    <a:lnR w="12700" cap="flat" cmpd="sng" algn="ctr">
+                      <a:solidFill>
+                        <a:schemeClr val="tx2"/>
+                      </a:solidFill>
+                      <a:prstDash val="solid"/>
+                      <a:round/>
+                      <a:headEnd type="none" w="med" len="med"/>
+                      <a:tailEnd type="none" w="med" len="med"/>
+                    </a:lnR>
+                    <a:lnT w="12700" cap="flat" cmpd="sng" algn="ctr">
+                      <a:solidFill>
+                        <a:schemeClr val="tx2"/>
+                      </a:solidFill>
+                      <a:prstDash val="solid"/>
+                      <a:round/>
+                      <a:headEnd type="none" w="med" len="med"/>
+                      <a:tailEnd type="none" w="med" len="med"/>
+                    </a:lnT>
+                    <a:lnB w="12700" cap="flat" cmpd="sng" algn="ctr">
+                      <a:solidFill>
+                        <a:schemeClr val="tx2"/>
+                      </a:solidFill>
+                      <a:prstDash val="solid"/>
+                      <a:round/>
+                      <a:headEnd type="none" w="med" len="med"/>
+                      <a:tailEnd type="none" w="med" len="med"/>
+                    </a:lnB>
+                  </a:tcPr>
+                </a:tc>
+                <a:extLst>
+                  <a:ext uri="{0D108BD9-81ED-4DB2-BD59-A6C34878D82A}">
+                    <a16:rowId xmlns:a16="http://schemas.microsoft.com/office/drawing/2014/main" val="202303659"/>
+                  </a:ext>
+                </a:extLst>
+              </a:tr>
+              <a:tr h="600547">
+                <a:tc>
+                  <a:txBody>
+                    <a:bodyPr/>
+                    <a:lstStyle/>
+                    <a:p>
+                      <a:pPr>
+                        <a:buNone/>
+                      </a:pPr>
+                      <a:r>
+                        <a:rPr lang="pt-BR">
+                          <a:solidFill>
+                            <a:schemeClr val="tx2"/>
+                          </a:solidFill>
+                        </a:rPr>
+                        <a:t>Recall</a:t>
+                      </a:r>
+                    </a:p>
+                  </a:txBody>
+                  <a:tcPr anchor="ctr">
+                    <a:lnL w="12700" cap="flat" cmpd="sng" algn="ctr">
+                      <a:solidFill>
+                        <a:schemeClr val="tx2"/>
+                      </a:solidFill>
+                      <a:prstDash val="solid"/>
+                      <a:round/>
+                      <a:headEnd type="none" w="med" len="med"/>
+                      <a:tailEnd type="none" w="med" len="med"/>
+                    </a:lnL>
+                    <a:lnR w="12700" cap="flat" cmpd="sng" algn="ctr">
+                      <a:solidFill>
+                        <a:schemeClr val="tx2"/>
+                      </a:solidFill>
+                      <a:prstDash val="solid"/>
+                      <a:round/>
+                      <a:headEnd type="none" w="med" len="med"/>
+                      <a:tailEnd type="none" w="med" len="med"/>
+                    </a:lnR>
+                    <a:lnT w="12700" cap="flat" cmpd="sng" algn="ctr">
+                      <a:solidFill>
+                        <a:schemeClr val="tx2"/>
+                      </a:solidFill>
+                      <a:prstDash val="solid"/>
+                      <a:round/>
+                      <a:headEnd type="none" w="med" len="med"/>
+                      <a:tailEnd type="none" w="med" len="med"/>
+                    </a:lnT>
+                    <a:lnB w="12700" cap="flat" cmpd="sng" algn="ctr">
+                      <a:solidFill>
+                        <a:schemeClr val="tx2"/>
+                      </a:solidFill>
+                      <a:prstDash val="solid"/>
+                      <a:round/>
+                      <a:headEnd type="none" w="med" len="med"/>
+                      <a:tailEnd type="none" w="med" len="med"/>
+                    </a:lnB>
+                  </a:tcPr>
+                </a:tc>
+                <a:tc>
+                  <a:txBody>
+                    <a:bodyPr/>
+                    <a:lstStyle/>
+                    <a:p>
+                      <a:pPr>
+                        <a:buNone/>
+                      </a:pPr>
+                      <a:r>
+                        <a:rPr lang="pt-BR" b="1">
+                          <a:solidFill>
+                            <a:schemeClr val="tx2"/>
+                          </a:solidFill>
+                        </a:rPr>
+                        <a:t>99,95%</a:t>
+                      </a:r>
+                      <a:endParaRPr lang="pt-BR">
+                        <a:solidFill>
+                          <a:schemeClr val="tx2"/>
+                        </a:solidFill>
+                      </a:endParaRPr>
+                    </a:p>
+                  </a:txBody>
+                  <a:tcPr anchor="ctr">
+                    <a:lnL w="12700" cap="flat" cmpd="sng" algn="ctr">
+                      <a:solidFill>
+                        <a:schemeClr val="tx2"/>
+                      </a:solidFill>
+                      <a:prstDash val="solid"/>
+                      <a:round/>
+                      <a:headEnd type="none" w="med" len="med"/>
+                      <a:tailEnd type="none" w="med" len="med"/>
+                    </a:lnL>
+                    <a:lnR w="12700" cap="flat" cmpd="sng" algn="ctr">
+                      <a:solidFill>
+                        <a:schemeClr val="tx2"/>
+                      </a:solidFill>
+                      <a:prstDash val="solid"/>
+                      <a:round/>
+                      <a:headEnd type="none" w="med" len="med"/>
+                      <a:tailEnd type="none" w="med" len="med"/>
+                    </a:lnR>
+                    <a:lnT w="12700" cap="flat" cmpd="sng" algn="ctr">
+                      <a:solidFill>
+                        <a:schemeClr val="tx2"/>
+                      </a:solidFill>
+                      <a:prstDash val="solid"/>
+                      <a:round/>
+                      <a:headEnd type="none" w="med" len="med"/>
+                      <a:tailEnd type="none" w="med" len="med"/>
+                    </a:lnT>
+                    <a:lnB w="12700" cap="flat" cmpd="sng" algn="ctr">
+                      <a:solidFill>
+                        <a:schemeClr val="tx2"/>
+                      </a:solidFill>
+                      <a:prstDash val="solid"/>
+                      <a:round/>
+                      <a:headEnd type="none" w="med" len="med"/>
+                      <a:tailEnd type="none" w="med" len="med"/>
+                    </a:lnB>
+                  </a:tcPr>
+                </a:tc>
+                <a:tc>
+                  <a:txBody>
+                    <a:bodyPr/>
+                    <a:lstStyle/>
+                    <a:p>
+                      <a:pPr>
+                        <a:buNone/>
+                      </a:pPr>
+                      <a:r>
+                        <a:rPr lang="pt-BR" b="1" dirty="0">
+                          <a:solidFill>
+                            <a:schemeClr val="tx2"/>
+                          </a:solidFill>
+                        </a:rPr>
+                        <a:t>99,27%</a:t>
+                      </a:r>
+                      <a:endParaRPr lang="pt-BR" dirty="0">
+                        <a:solidFill>
+                          <a:schemeClr val="tx2"/>
+                        </a:solidFill>
+                      </a:endParaRPr>
+                    </a:p>
+                  </a:txBody>
+                  <a:tcPr anchor="ctr">
+                    <a:lnL w="12700" cap="flat" cmpd="sng" algn="ctr">
+                      <a:solidFill>
+                        <a:schemeClr val="tx2"/>
+                      </a:solidFill>
+                      <a:prstDash val="solid"/>
+                      <a:round/>
+                      <a:headEnd type="none" w="med" len="med"/>
+                      <a:tailEnd type="none" w="med" len="med"/>
+                    </a:lnL>
+                    <a:lnR w="12700" cap="flat" cmpd="sng" algn="ctr">
+                      <a:solidFill>
+                        <a:schemeClr val="tx2"/>
+                      </a:solidFill>
+                      <a:prstDash val="solid"/>
+                      <a:round/>
+                      <a:headEnd type="none" w="med" len="med"/>
+                      <a:tailEnd type="none" w="med" len="med"/>
+                    </a:lnR>
+                    <a:lnT w="12700" cap="flat" cmpd="sng" algn="ctr">
+                      <a:solidFill>
+                        <a:schemeClr val="tx2"/>
+                      </a:solidFill>
+                      <a:prstDash val="solid"/>
+                      <a:round/>
+                      <a:headEnd type="none" w="med" len="med"/>
+                      <a:tailEnd type="none" w="med" len="med"/>
+                    </a:lnT>
+                    <a:lnB w="12700" cap="flat" cmpd="sng" algn="ctr">
+                      <a:solidFill>
+                        <a:schemeClr val="tx2"/>
+                      </a:solidFill>
+                      <a:prstDash val="solid"/>
+                      <a:round/>
+                      <a:headEnd type="none" w="med" len="med"/>
+                      <a:tailEnd type="none" w="med" len="med"/>
+                    </a:lnB>
+                  </a:tcPr>
+                </a:tc>
+                <a:extLst>
+                  <a:ext uri="{0D108BD9-81ED-4DB2-BD59-A6C34878D82A}">
+                    <a16:rowId xmlns:a16="http://schemas.microsoft.com/office/drawing/2014/main" val="1432184630"/>
+                  </a:ext>
+                </a:extLst>
+              </a:tr>
+              <a:tr h="600547">
+                <a:tc>
+                  <a:txBody>
+                    <a:bodyPr/>
+                    <a:lstStyle/>
+                    <a:p>
+                      <a:pPr>
+                        <a:buNone/>
+                      </a:pPr>
+                      <a:r>
+                        <a:rPr lang="pt-BR">
+                          <a:solidFill>
+                            <a:schemeClr val="tx2"/>
+                          </a:solidFill>
+                        </a:rPr>
+                        <a:t>F1 Score</a:t>
+                      </a:r>
+                    </a:p>
+                  </a:txBody>
+                  <a:tcPr anchor="ctr">
+                    <a:lnL w="12700" cap="flat" cmpd="sng" algn="ctr">
+                      <a:solidFill>
+                        <a:schemeClr val="tx2"/>
+                      </a:solidFill>
+                      <a:prstDash val="solid"/>
+                      <a:round/>
+                      <a:headEnd type="none" w="med" len="med"/>
+                      <a:tailEnd type="none" w="med" len="med"/>
+                    </a:lnL>
+                    <a:lnR w="12700" cap="flat" cmpd="sng" algn="ctr">
+                      <a:solidFill>
+                        <a:schemeClr val="tx2"/>
+                      </a:solidFill>
+                      <a:prstDash val="solid"/>
+                      <a:round/>
+                      <a:headEnd type="none" w="med" len="med"/>
+                      <a:tailEnd type="none" w="med" len="med"/>
+                    </a:lnR>
+                    <a:lnT w="12700" cap="flat" cmpd="sng" algn="ctr">
+                      <a:solidFill>
+                        <a:schemeClr val="tx2"/>
+                      </a:solidFill>
+                      <a:prstDash val="solid"/>
+                      <a:round/>
+                      <a:headEnd type="none" w="med" len="med"/>
+                      <a:tailEnd type="none" w="med" len="med"/>
+                    </a:lnT>
+                    <a:lnB w="12700" cap="flat" cmpd="sng" algn="ctr">
+                      <a:solidFill>
+                        <a:schemeClr val="tx2"/>
+                      </a:solidFill>
+                      <a:prstDash val="solid"/>
+                      <a:round/>
+                      <a:headEnd type="none" w="med" len="med"/>
+                      <a:tailEnd type="none" w="med" len="med"/>
+                    </a:lnB>
+                  </a:tcPr>
+                </a:tc>
+                <a:tc>
+                  <a:txBody>
+                    <a:bodyPr/>
+                    <a:lstStyle/>
+                    <a:p>
+                      <a:pPr>
+                        <a:buNone/>
+                      </a:pPr>
+                      <a:r>
+                        <a:rPr lang="pt-BR" b="1">
+                          <a:solidFill>
+                            <a:schemeClr val="tx2"/>
+                          </a:solidFill>
+                        </a:rPr>
+                        <a:t>99,97%</a:t>
+                      </a:r>
+                      <a:endParaRPr lang="pt-BR">
+                        <a:solidFill>
+                          <a:schemeClr val="tx2"/>
+                        </a:solidFill>
+                      </a:endParaRPr>
+                    </a:p>
+                  </a:txBody>
+                  <a:tcPr anchor="ctr">
+                    <a:lnL w="12700" cap="flat" cmpd="sng" algn="ctr">
+                      <a:solidFill>
+                        <a:schemeClr val="tx2"/>
+                      </a:solidFill>
+                      <a:prstDash val="solid"/>
+                      <a:round/>
+                      <a:headEnd type="none" w="med" len="med"/>
+                      <a:tailEnd type="none" w="med" len="med"/>
+                    </a:lnL>
+                    <a:lnR w="12700" cap="flat" cmpd="sng" algn="ctr">
+                      <a:solidFill>
+                        <a:schemeClr val="tx2"/>
+                      </a:solidFill>
+                      <a:prstDash val="solid"/>
+                      <a:round/>
+                      <a:headEnd type="none" w="med" len="med"/>
+                      <a:tailEnd type="none" w="med" len="med"/>
+                    </a:lnR>
+                    <a:lnT w="12700" cap="flat" cmpd="sng" algn="ctr">
+                      <a:solidFill>
+                        <a:schemeClr val="tx2"/>
+                      </a:solidFill>
+                      <a:prstDash val="solid"/>
+                      <a:round/>
+                      <a:headEnd type="none" w="med" len="med"/>
+                      <a:tailEnd type="none" w="med" len="med"/>
+                    </a:lnT>
+                    <a:lnB w="12700" cap="flat" cmpd="sng" algn="ctr">
+                      <a:solidFill>
+                        <a:schemeClr val="tx2"/>
+                      </a:solidFill>
+                      <a:prstDash val="solid"/>
+                      <a:round/>
+                      <a:headEnd type="none" w="med" len="med"/>
+                      <a:tailEnd type="none" w="med" len="med"/>
+                    </a:lnB>
+                  </a:tcPr>
+                </a:tc>
+                <a:tc>
+                  <a:txBody>
+                    <a:bodyPr/>
+                    <a:lstStyle/>
+                    <a:p>
+                      <a:pPr>
+                        <a:buNone/>
+                      </a:pPr>
+                      <a:r>
+                        <a:rPr lang="pt-BR" b="1" dirty="0">
+                          <a:solidFill>
+                            <a:schemeClr val="tx2"/>
+                          </a:solidFill>
+                        </a:rPr>
+                        <a:t>99,64%</a:t>
+                      </a:r>
+                      <a:endParaRPr lang="pt-BR" dirty="0">
+                        <a:solidFill>
+                          <a:schemeClr val="tx2"/>
+                        </a:solidFill>
+                      </a:endParaRPr>
+                    </a:p>
+                  </a:txBody>
+                  <a:tcPr anchor="ctr">
+                    <a:lnL w="12700" cap="flat" cmpd="sng" algn="ctr">
+                      <a:solidFill>
+                        <a:schemeClr val="tx2"/>
+                      </a:solidFill>
+                      <a:prstDash val="solid"/>
+                      <a:round/>
+                      <a:headEnd type="none" w="med" len="med"/>
+                      <a:tailEnd type="none" w="med" len="med"/>
+                    </a:lnL>
+                    <a:lnR w="12700" cap="flat" cmpd="sng" algn="ctr">
+                      <a:solidFill>
+                        <a:schemeClr val="tx2"/>
+                      </a:solidFill>
+                      <a:prstDash val="solid"/>
+                      <a:round/>
+                      <a:headEnd type="none" w="med" len="med"/>
+                      <a:tailEnd type="none" w="med" len="med"/>
+                    </a:lnR>
+                    <a:lnT w="12700" cap="flat" cmpd="sng" algn="ctr">
+                      <a:solidFill>
+                        <a:schemeClr val="tx2"/>
+                      </a:solidFill>
+                      <a:prstDash val="solid"/>
+                      <a:round/>
+                      <a:headEnd type="none" w="med" len="med"/>
+                      <a:tailEnd type="none" w="med" len="med"/>
+                    </a:lnT>
+                    <a:lnB w="12700" cap="flat" cmpd="sng" algn="ctr">
+                      <a:solidFill>
+                        <a:schemeClr val="tx2"/>
+                      </a:solidFill>
+                      <a:prstDash val="solid"/>
+                      <a:round/>
+                      <a:headEnd type="none" w="med" len="med"/>
+                      <a:tailEnd type="none" w="med" len="med"/>
+                    </a:lnB>
+                  </a:tcPr>
+                </a:tc>
+                <a:extLst>
+                  <a:ext uri="{0D108BD9-81ED-4DB2-BD59-A6C34878D82A}">
+                    <a16:rowId xmlns:a16="http://schemas.microsoft.com/office/drawing/2014/main" val="2772689974"/>
+                  </a:ext>
+                </a:extLst>
+              </a:tr>
+              <a:tr h="600547">
+                <a:tc>
+                  <a:txBody>
+                    <a:bodyPr/>
+                    <a:lstStyle/>
+                    <a:p>
+                      <a:pPr>
+                        <a:buNone/>
+                      </a:pPr>
+                      <a:r>
+                        <a:rPr lang="pt-BR" dirty="0">
+                          <a:solidFill>
+                            <a:schemeClr val="tx2"/>
+                          </a:solidFill>
+                        </a:rPr>
+                        <a:t>Nº de exemplos avaliados</a:t>
+                      </a:r>
+                    </a:p>
+                  </a:txBody>
+                  <a:tcPr anchor="ctr">
+                    <a:lnL w="12700" cap="flat" cmpd="sng" algn="ctr">
+                      <a:solidFill>
+                        <a:schemeClr val="tx2"/>
+                      </a:solidFill>
+                      <a:prstDash val="solid"/>
+                      <a:round/>
+                      <a:headEnd type="none" w="med" len="med"/>
+                      <a:tailEnd type="none" w="med" len="med"/>
+                    </a:lnL>
+                    <a:lnR w="12700" cap="flat" cmpd="sng" algn="ctr">
+                      <a:solidFill>
+                        <a:schemeClr val="tx2"/>
+                      </a:solidFill>
+                      <a:prstDash val="solid"/>
+                      <a:round/>
+                      <a:headEnd type="none" w="med" len="med"/>
+                      <a:tailEnd type="none" w="med" len="med"/>
+                    </a:lnR>
+                    <a:lnT w="12700" cap="flat" cmpd="sng" algn="ctr">
+                      <a:solidFill>
+                        <a:schemeClr val="tx2"/>
+                      </a:solidFill>
+                      <a:prstDash val="solid"/>
+                      <a:round/>
+                      <a:headEnd type="none" w="med" len="med"/>
+                      <a:tailEnd type="none" w="med" len="med"/>
+                    </a:lnT>
+                    <a:lnB w="12700" cap="flat" cmpd="sng" algn="ctr">
+                      <a:solidFill>
+                        <a:schemeClr val="tx2"/>
+                      </a:solidFill>
+                      <a:prstDash val="solid"/>
+                      <a:round/>
+                      <a:headEnd type="none" w="med" len="med"/>
+                      <a:tailEnd type="none" w="med" len="med"/>
+                    </a:lnB>
+                  </a:tcPr>
+                </a:tc>
+                <a:tc>
+                  <a:txBody>
+                    <a:bodyPr/>
+                    <a:lstStyle/>
+                    <a:p>
+                      <a:pPr>
+                        <a:buNone/>
+                      </a:pPr>
+                      <a:r>
+                        <a:rPr lang="pt-BR" dirty="0">
+                          <a:solidFill>
+                            <a:schemeClr val="tx2"/>
+                          </a:solidFill>
+                        </a:rPr>
+                        <a:t>400</a:t>
+                      </a:r>
+                    </a:p>
+                  </a:txBody>
+                  <a:tcPr anchor="ctr">
+                    <a:lnL w="12700" cap="flat" cmpd="sng" algn="ctr">
+                      <a:solidFill>
+                        <a:schemeClr val="tx2"/>
+                      </a:solidFill>
+                      <a:prstDash val="solid"/>
+                      <a:round/>
+                      <a:headEnd type="none" w="med" len="med"/>
+                      <a:tailEnd type="none" w="med" len="med"/>
+                    </a:lnL>
+                    <a:lnR w="12700" cap="flat" cmpd="sng" algn="ctr">
+                      <a:solidFill>
+                        <a:schemeClr val="tx2"/>
+                      </a:solidFill>
+                      <a:prstDash val="solid"/>
+                      <a:round/>
+                      <a:headEnd type="none" w="med" len="med"/>
+                      <a:tailEnd type="none" w="med" len="med"/>
+                    </a:lnR>
+                    <a:lnT w="12700" cap="flat" cmpd="sng" algn="ctr">
+                      <a:solidFill>
+                        <a:schemeClr val="tx2"/>
+                      </a:solidFill>
+                      <a:prstDash val="solid"/>
+                      <a:round/>
+                      <a:headEnd type="none" w="med" len="med"/>
+                      <a:tailEnd type="none" w="med" len="med"/>
+                    </a:lnT>
+                    <a:lnB w="12700" cap="flat" cmpd="sng" algn="ctr">
+                      <a:solidFill>
+                        <a:schemeClr val="tx2"/>
+                      </a:solidFill>
+                      <a:prstDash val="solid"/>
+                      <a:round/>
+                      <a:headEnd type="none" w="med" len="med"/>
+                      <a:tailEnd type="none" w="med" len="med"/>
+                    </a:lnB>
+                  </a:tcPr>
+                </a:tc>
+                <a:tc>
+                  <a:txBody>
+                    <a:bodyPr/>
+                    <a:lstStyle/>
+                    <a:p>
+                      <a:pPr>
+                        <a:buNone/>
+                      </a:pPr>
+                      <a:r>
+                        <a:rPr lang="pt-BR" dirty="0">
+                          <a:solidFill>
+                            <a:schemeClr val="tx2"/>
+                          </a:solidFill>
+                        </a:rPr>
+                        <a:t>600</a:t>
+                      </a:r>
+                    </a:p>
+                  </a:txBody>
+                  <a:tcPr anchor="ctr">
+                    <a:lnL w="12700" cap="flat" cmpd="sng" algn="ctr">
+                      <a:solidFill>
+                        <a:schemeClr val="tx2"/>
+                      </a:solidFill>
+                      <a:prstDash val="solid"/>
+                      <a:round/>
+                      <a:headEnd type="none" w="med" len="med"/>
+                      <a:tailEnd type="none" w="med" len="med"/>
+                    </a:lnL>
+                    <a:lnR w="12700" cap="flat" cmpd="sng" algn="ctr">
+                      <a:solidFill>
+                        <a:schemeClr val="tx2"/>
+                      </a:solidFill>
+                      <a:prstDash val="solid"/>
+                      <a:round/>
+                      <a:headEnd type="none" w="med" len="med"/>
+                      <a:tailEnd type="none" w="med" len="med"/>
+                    </a:lnR>
+                    <a:lnT w="12700" cap="flat" cmpd="sng" algn="ctr">
+                      <a:solidFill>
+                        <a:schemeClr val="tx2"/>
+                      </a:solidFill>
+                      <a:prstDash val="solid"/>
+                      <a:round/>
+                      <a:headEnd type="none" w="med" len="med"/>
+                      <a:tailEnd type="none" w="med" len="med"/>
+                    </a:lnT>
+                    <a:lnB w="12700" cap="flat" cmpd="sng" algn="ctr">
+                      <a:solidFill>
+                        <a:schemeClr val="tx2"/>
+                      </a:solidFill>
+                      <a:prstDash val="solid"/>
+                      <a:round/>
+                      <a:headEnd type="none" w="med" len="med"/>
+                      <a:tailEnd type="none" w="med" len="med"/>
+                    </a:lnB>
+                  </a:tcPr>
+                </a:tc>
+                <a:extLst>
+                  <a:ext uri="{0D108BD9-81ED-4DB2-BD59-A6C34878D82A}">
+                    <a16:rowId xmlns:a16="http://schemas.microsoft.com/office/drawing/2014/main" val="2168167060"/>
+                  </a:ext>
+                </a:extLst>
+              </a:tr>
+            </a:tbl>
+          </a:graphicData>
+        </a:graphic>
+      </p:graphicFrame>
+    </p:spTree>
+    <p:extLst>
+      <p:ext uri="{BB962C8B-B14F-4D97-AF65-F5344CB8AC3E}">
+        <p14:creationId xmlns:p14="http://schemas.microsoft.com/office/powerpoint/2010/main" val="558222684"/>
+      </p:ext>
+    </p:extLst>
+  </p:cSld>
+  <p:clrMapOvr>
+    <a:masterClrMapping/>
+  </p:clrMapOvr>
+</p:sld>
+</file>
+
+<file path=ppt/slides/slide54.xml><?xml version="1.0" encoding="utf-8"?>
 <p:sld xmlns:a="http://schemas.openxmlformats.org/drawingml/2006/main" xmlns:r="http://schemas.openxmlformats.org/officeDocument/2006/relationships" xmlns:p="http://schemas.openxmlformats.org/presentationml/2006/main">
   <p:cSld>
     <p:spTree>
@@ -17849,7 +19059,7 @@
         </p:nvSpPr>
         <p:spPr>
           <a:xfrm>
-            <a:off x="913794" y="129767"/>
+            <a:off x="1183178" y="0"/>
             <a:ext cx="10353762" cy="1257300"/>
           </a:xfrm>
         </p:spPr>
@@ -17859,7 +19069,7 @@
           <a:p>
             <a:r>
               <a:rPr lang="pt-BR" dirty="0"/>
-              <a:t>Exemplo de Resultado</a:t>
+              <a:t>Exemplo de Resultado De Cópia</a:t>
             </a:r>
           </a:p>
         </p:txBody>
@@ -18019,7 +19229,7 @@
             <a:pPr rtl="0"/>
             <a:fld id="{3A98EE3D-8CD1-4C3F-BD1C-C98C9596463C}" type="slidenum">
               <a:rPr lang="pt-BR" noProof="0" smtClean="0"/>
-              <a:t>53</a:t>
+              <a:t>54</a:t>
             </a:fld>
             <a:endParaRPr lang="pt-BR" noProof="0" dirty="0"/>
           </a:p>
@@ -18038,7 +19248,7 @@
 </p:sld>
 </file>
 
-<file path=ppt/slides/slide54.xml><?xml version="1.0" encoding="utf-8"?>
+<file path=ppt/slides/slide55.xml><?xml version="1.0" encoding="utf-8"?>
 <p:sld xmlns:a="http://schemas.openxmlformats.org/drawingml/2006/main" xmlns:r="http://schemas.openxmlformats.org/officeDocument/2006/relationships" xmlns:p="http://schemas.openxmlformats.org/presentationml/2006/main">
   <p:cSld>
     <p:spTree>
@@ -18357,7 +19567,7 @@
             <a:pPr rtl="0"/>
             <a:fld id="{3A98EE3D-8CD1-4C3F-BD1C-C98C9596463C}" type="slidenum">
               <a:rPr lang="pt-BR" noProof="0" smtClean="0"/>
-              <a:t>54</a:t>
+              <a:t>55</a:t>
             </a:fld>
             <a:endParaRPr lang="pt-BR" noProof="0" dirty="0"/>
           </a:p>
@@ -18376,7 +19586,7 @@
 </p:sld>
 </file>
 
-<file path=ppt/slides/slide55.xml><?xml version="1.0" encoding="utf-8"?>
+<file path=ppt/slides/slide56.xml><?xml version="1.0" encoding="utf-8"?>
 <p:sld xmlns:a="http://schemas.openxmlformats.org/drawingml/2006/main" xmlns:r="http://schemas.openxmlformats.org/officeDocument/2006/relationships" xmlns:p="http://schemas.openxmlformats.org/presentationml/2006/main">
   <p:cSld>
     <p:spTree>
@@ -18467,7 +19677,7 @@
             <a:pPr rtl="0"/>
             <a:fld id="{3A98EE3D-8CD1-4C3F-BD1C-C98C9596463C}" type="slidenum">
               <a:rPr lang="pt-BR" noProof="0" smtClean="0"/>
-              <a:t>55</a:t>
+              <a:t>56</a:t>
             </a:fld>
             <a:endParaRPr lang="pt-BR" noProof="0" dirty="0"/>
           </a:p>
@@ -18516,7 +19726,7 @@
 </p:sld>
 </file>
 
-<file path=ppt/slides/slide56.xml><?xml version="1.0" encoding="utf-8"?>
+<file path=ppt/slides/slide57.xml><?xml version="1.0" encoding="utf-8"?>
 <p:sld xmlns:a="http://schemas.openxmlformats.org/drawingml/2006/main" xmlns:r="http://schemas.openxmlformats.org/officeDocument/2006/relationships" xmlns:p="http://schemas.openxmlformats.org/presentationml/2006/main">
   <p:cSld>
     <p:spTree>
@@ -18607,7 +19817,7 @@
             <a:pPr rtl="0"/>
             <a:fld id="{3A98EE3D-8CD1-4C3F-BD1C-C98C9596463C}" type="slidenum">
               <a:rPr lang="pt-BR" noProof="0" smtClean="0"/>
-              <a:t>56</a:t>
+              <a:t>57</a:t>
             </a:fld>
             <a:endParaRPr lang="pt-BR" noProof="0" dirty="0"/>
           </a:p>
@@ -18656,18 +19866,12 @@
 </p:sld>
 </file>
 
-<file path=ppt/slides/slide57.xml><?xml version="1.0" encoding="utf-8"?>
+<file path=ppt/slides/slide58.xml><?xml version="1.0" encoding="utf-8"?>
 <p:sld xmlns:a="http://schemas.openxmlformats.org/drawingml/2006/main" xmlns:r="http://schemas.openxmlformats.org/officeDocument/2006/relationships" xmlns:p="http://schemas.openxmlformats.org/presentationml/2006/main">
   <p:cSld>
     <p:spTree>
       <p:nvGrpSpPr>
-        <p:cNvPr id="1" name="">
-          <a:extLst>
-            <a:ext uri="{FF2B5EF4-FFF2-40B4-BE49-F238E27FC236}">
-              <a16:creationId xmlns:a16="http://schemas.microsoft.com/office/drawing/2014/main" id="{89ACCF3A-8667-338D-1D22-BA2DFCD1FDEB}"/>
-            </a:ext>
-          </a:extLst>
-        </p:cNvPr>
+        <p:cNvPr id="1" name=""/>
         <p:cNvGrpSpPr/>
         <p:nvPr/>
       </p:nvGrpSpPr>
@@ -18681,10 +19885,10 @@
       </p:grpSpPr>
       <p:sp>
         <p:nvSpPr>
-          <p:cNvPr id="5" name="Título 4">
+          <p:cNvPr id="2" name="Título 1">
             <a:extLst>
               <a:ext uri="{FF2B5EF4-FFF2-40B4-BE49-F238E27FC236}">
-                <a16:creationId xmlns:a16="http://schemas.microsoft.com/office/drawing/2014/main" id="{3DAE5FC7-903B-3935-8C9E-4DEF76626E81}"/>
+                <a16:creationId xmlns:a16="http://schemas.microsoft.com/office/drawing/2014/main" id="{97461F65-5FB8-69CD-F44A-6C96713B973C}"/>
               </a:ext>
             </a:extLst>
           </p:cNvPr>
@@ -18692,7 +19896,7 @@
             <a:spLocks noGrp="1"/>
           </p:cNvSpPr>
           <p:nvPr>
-            <p:ph type="ctrTitle"/>
+            <p:ph type="title"/>
           </p:nvPr>
         </p:nvSpPr>
         <p:spPr/>
@@ -18700,19 +19904,16 @@
           <a:bodyPr/>
           <a:lstStyle/>
           <a:p>
-            <a:r>
-              <a:rPr lang="pt-BR" dirty="0"/>
-              <a:t>Resultados da Inversão</a:t>
-            </a:r>
-          </a:p>
-        </p:txBody>
-      </p:sp>
-      <p:sp>
-        <p:nvSpPr>
-          <p:cNvPr id="6" name="Subtítulo 5">
+            <a:endParaRPr lang="pt-BR"/>
+          </a:p>
+        </p:txBody>
+      </p:sp>
+      <p:sp>
+        <p:nvSpPr>
+          <p:cNvPr id="3" name="Espaço Reservado para Conteúdo 2">
             <a:extLst>
               <a:ext uri="{FF2B5EF4-FFF2-40B4-BE49-F238E27FC236}">
-                <a16:creationId xmlns:a16="http://schemas.microsoft.com/office/drawing/2014/main" id="{07465A32-CB88-9B48-55D1-8B0839904BBC}"/>
+                <a16:creationId xmlns:a16="http://schemas.microsoft.com/office/drawing/2014/main" id="{74ECDB9C-1B7C-FDB9-C2DD-3875CC98BC2D}"/>
               </a:ext>
             </a:extLst>
           </p:cNvPr>
@@ -18720,7 +19921,7 @@
             <a:spLocks noGrp="1"/>
           </p:cNvSpPr>
           <p:nvPr>
-            <p:ph type="subTitle" idx="1"/>
+            <p:ph idx="1"/>
           </p:nvPr>
         </p:nvSpPr>
         <p:spPr/>
@@ -18728,10 +19929,7 @@
           <a:bodyPr/>
           <a:lstStyle/>
           <a:p>
-            <a:r>
-              <a:rPr lang="pt-BR" dirty="0"/>
-              <a:t>A qualidade do Modelo na Tarefa de Inversão</a:t>
-            </a:r>
+            <a:endParaRPr lang="pt-BR"/>
           </a:p>
         </p:txBody>
       </p:sp>
@@ -18740,217 +19938,7 @@
           <p:cNvPr id="4" name="Espaço Reservado para Número de Slide 3">
             <a:extLst>
               <a:ext uri="{FF2B5EF4-FFF2-40B4-BE49-F238E27FC236}">
-                <a16:creationId xmlns:a16="http://schemas.microsoft.com/office/drawing/2014/main" id="{59541FE9-58C0-E89F-D7C5-7E48B341E962}"/>
-              </a:ext>
-            </a:extLst>
-          </p:cNvPr>
-          <p:cNvSpPr>
-            <a:spLocks noGrp="1"/>
-          </p:cNvSpPr>
-          <p:nvPr>
-            <p:ph type="sldNum" sz="quarter" idx="12"/>
-          </p:nvPr>
-        </p:nvSpPr>
-        <p:spPr/>
-        <p:txBody>
-          <a:bodyPr/>
-          <a:lstStyle/>
-          <a:p>
-            <a:pPr rtl="0"/>
-            <a:fld id="{3A98EE3D-8CD1-4C3F-BD1C-C98C9596463C}" type="slidenum">
-              <a:rPr lang="pt-BR" noProof="0" smtClean="0"/>
-              <a:t>57</a:t>
-            </a:fld>
-            <a:endParaRPr lang="pt-BR" noProof="0" dirty="0"/>
-          </a:p>
-        </p:txBody>
-      </p:sp>
-    </p:spTree>
-    <p:extLst>
-      <p:ext uri="{BB962C8B-B14F-4D97-AF65-F5344CB8AC3E}">
-        <p14:creationId xmlns:p14="http://schemas.microsoft.com/office/powerpoint/2010/main" val="2630956228"/>
-      </p:ext>
-    </p:extLst>
-  </p:cSld>
-  <p:clrMapOvr>
-    <a:masterClrMapping/>
-  </p:clrMapOvr>
-</p:sld>
-</file>
-
-<file path=ppt/slides/slide58.xml><?xml version="1.0" encoding="utf-8"?>
-<p:sld xmlns:a="http://schemas.openxmlformats.org/drawingml/2006/main" xmlns:r="http://schemas.openxmlformats.org/officeDocument/2006/relationships" xmlns:p="http://schemas.openxmlformats.org/presentationml/2006/main">
-  <p:cSld>
-    <p:spTree>
-      <p:nvGrpSpPr>
-        <p:cNvPr id="1" name="">
-          <a:extLst>
-            <a:ext uri="{FF2B5EF4-FFF2-40B4-BE49-F238E27FC236}">
-              <a16:creationId xmlns:a16="http://schemas.microsoft.com/office/drawing/2014/main" id="{A4E659B9-B1B0-6236-F7B0-2A1058E35349}"/>
-            </a:ext>
-          </a:extLst>
-        </p:cNvPr>
-        <p:cNvGrpSpPr/>
-        <p:nvPr/>
-      </p:nvGrpSpPr>
-      <p:grpSpPr>
-        <a:xfrm>
-          <a:off x="0" y="0"/>
-          <a:ext cx="0" cy="0"/>
-          <a:chOff x="0" y="0"/>
-          <a:chExt cx="0" cy="0"/>
-        </a:xfrm>
-      </p:grpSpPr>
-      <p:sp>
-        <p:nvSpPr>
-          <p:cNvPr id="2" name="Título 1">
-            <a:extLst>
-              <a:ext uri="{FF2B5EF4-FFF2-40B4-BE49-F238E27FC236}">
-                <a16:creationId xmlns:a16="http://schemas.microsoft.com/office/drawing/2014/main" id="{902183C5-D4E2-4713-E449-8BAE8028BD7D}"/>
-              </a:ext>
-            </a:extLst>
-          </p:cNvPr>
-          <p:cNvSpPr>
-            <a:spLocks noGrp="1"/>
-          </p:cNvSpPr>
-          <p:nvPr>
-            <p:ph type="title"/>
-          </p:nvPr>
-        </p:nvSpPr>
-        <p:spPr/>
-        <p:txBody>
-          <a:bodyPr/>
-          <a:lstStyle/>
-          <a:p>
-            <a:r>
-              <a:rPr lang="pt-BR" dirty="0"/>
-              <a:t>Resultados</a:t>
-            </a:r>
-          </a:p>
-        </p:txBody>
-      </p:sp>
-      <p:sp>
-        <p:nvSpPr>
-          <p:cNvPr id="3" name="Espaço Reservado para Conteúdo 2">
-            <a:extLst>
-              <a:ext uri="{FF2B5EF4-FFF2-40B4-BE49-F238E27FC236}">
-                <a16:creationId xmlns:a16="http://schemas.microsoft.com/office/drawing/2014/main" id="{D4900040-0A56-ABD0-FBE3-6D852288B15C}"/>
-              </a:ext>
-            </a:extLst>
-          </p:cNvPr>
-          <p:cNvSpPr>
-            <a:spLocks noGrp="1"/>
-          </p:cNvSpPr>
-          <p:nvPr>
-            <p:ph idx="1"/>
-          </p:nvPr>
-        </p:nvSpPr>
-        <p:spPr/>
-        <p:txBody>
-          <a:bodyPr/>
-          <a:lstStyle/>
-          <a:p>
-            <a:pPr marL="36900" indent="0">
-              <a:buNone/>
-            </a:pPr>
-            <a:r>
-              <a:rPr lang="pt-BR" b="1" dirty="0"/>
-              <a:t>🔹 Avaliação Quantitativa</a:t>
-            </a:r>
-            <a:endParaRPr lang="pt-BR" dirty="0"/>
-          </a:p>
-          <a:p>
-            <a:pPr marL="450000" lvl="1" indent="0">
-              <a:buNone/>
-            </a:pPr>
-            <a:r>
-              <a:rPr lang="pt-BR" sz="2400" dirty="0"/>
-              <a:t>◇ </a:t>
-            </a:r>
-            <a:r>
-              <a:rPr lang="pt-BR" b="1" dirty="0"/>
-              <a:t>Acurácia (bit a bit)</a:t>
-            </a:r>
-            <a:r>
-              <a:rPr lang="pt-BR" dirty="0"/>
-              <a:t>: 99,64%</a:t>
-            </a:r>
-          </a:p>
-          <a:p>
-            <a:pPr marL="450000" lvl="1" indent="0">
-              <a:buNone/>
-            </a:pPr>
-            <a:r>
-              <a:rPr lang="pt-BR" sz="2400" dirty="0"/>
-              <a:t>◇ </a:t>
-            </a:r>
-            <a:r>
-              <a:rPr lang="pt-BR" b="1" dirty="0"/>
-              <a:t>Precisão</a:t>
-            </a:r>
-            <a:r>
-              <a:rPr lang="pt-BR" dirty="0"/>
-              <a:t>: 100%</a:t>
-            </a:r>
-          </a:p>
-          <a:p>
-            <a:pPr marL="450000" lvl="1" indent="0">
-              <a:buNone/>
-            </a:pPr>
-            <a:r>
-              <a:rPr lang="pt-BR" sz="2400" dirty="0"/>
-              <a:t>◇ </a:t>
-            </a:r>
-            <a:r>
-              <a:rPr lang="pt-BR" b="1" dirty="0"/>
-              <a:t>Recall</a:t>
-            </a:r>
-            <a:r>
-              <a:rPr lang="pt-BR" dirty="0"/>
-              <a:t>: 99,27%</a:t>
-            </a:r>
-          </a:p>
-          <a:p>
-            <a:pPr marL="450000" lvl="1" indent="0">
-              <a:buNone/>
-            </a:pPr>
-            <a:r>
-              <a:rPr lang="pt-BR" sz="2400" dirty="0"/>
-              <a:t>◇ </a:t>
-            </a:r>
-            <a:r>
-              <a:rPr lang="pt-BR" b="1" dirty="0"/>
-              <a:t>F1 Score</a:t>
-            </a:r>
-            <a:r>
-              <a:rPr lang="pt-BR" dirty="0"/>
-              <a:t>: 99,64%</a:t>
-            </a:r>
-          </a:p>
-          <a:p>
-            <a:pPr marL="36900" indent="0">
-              <a:buNone/>
-            </a:pPr>
-            <a:r>
-              <a:rPr lang="pt-BR" sz="2400" dirty="0"/>
-              <a:t>◇</a:t>
-            </a:r>
-            <a:r>
-              <a:rPr lang="pt-BR" dirty="0"/>
-              <a:t> Resultados baseados em 600 exemplos aleatórios do conjunto de testes recém-gerado</a:t>
-            </a:r>
-          </a:p>
-          <a:p>
-            <a:endParaRPr lang="pt-BR" dirty="0"/>
-          </a:p>
-        </p:txBody>
-      </p:sp>
-      <p:sp>
-        <p:nvSpPr>
-          <p:cNvPr id="4" name="Espaço Reservado para Número de Slide 3">
-            <a:extLst>
-              <a:ext uri="{FF2B5EF4-FFF2-40B4-BE49-F238E27FC236}">
-                <a16:creationId xmlns:a16="http://schemas.microsoft.com/office/drawing/2014/main" id="{85F70BCA-BDF1-97B6-4435-CE211BB3822C}"/>
+                <a16:creationId xmlns:a16="http://schemas.microsoft.com/office/drawing/2014/main" id="{1E9F16ED-3442-C5C5-72DF-7FAF14E0E8C3}"/>
               </a:ext>
             </a:extLst>
           </p:cNvPr>
@@ -18975,10 +19963,40 @@
           </a:p>
         </p:txBody>
       </p:sp>
+      <p:pic>
+        <p:nvPicPr>
+          <p:cNvPr id="6" name="Imagem 5">
+            <a:extLst>
+              <a:ext uri="{FF2B5EF4-FFF2-40B4-BE49-F238E27FC236}">
+                <a16:creationId xmlns:a16="http://schemas.microsoft.com/office/drawing/2014/main" id="{F74260F5-3B59-63EA-AC85-27E0E062C7D2}"/>
+              </a:ext>
+            </a:extLst>
+          </p:cNvPr>
+          <p:cNvPicPr>
+            <a:picLocks noChangeAspect="1"/>
+          </p:cNvPicPr>
+          <p:nvPr/>
+        </p:nvPicPr>
+        <p:blipFill>
+          <a:blip r:embed="rId2"/>
+          <a:stretch>
+            <a:fillRect/>
+          </a:stretch>
+        </p:blipFill>
+        <p:spPr>
+          <a:xfrm>
+            <a:off x="0" y="438996"/>
+            <a:ext cx="12192000" cy="5980008"/>
+          </a:xfrm>
+          <a:prstGeom prst="rect">
+            <a:avLst/>
+          </a:prstGeom>
+        </p:spPr>
+      </p:pic>
     </p:spTree>
     <p:extLst>
       <p:ext uri="{BB962C8B-B14F-4D97-AF65-F5344CB8AC3E}">
-        <p14:creationId xmlns:p14="http://schemas.microsoft.com/office/powerpoint/2010/main" val="558222684"/>
+        <p14:creationId xmlns:p14="http://schemas.microsoft.com/office/powerpoint/2010/main" val="2961874084"/>
       </p:ext>
     </p:extLst>
   </p:cSld>
@@ -19039,7 +20057,7 @@
           <a:p>
             <a:r>
               <a:rPr lang="pt-BR" dirty="0"/>
-              <a:t>Exemplo de Resultado</a:t>
+              <a:t>Exemplo de Resultado de Inversão</a:t>
             </a:r>
           </a:p>
         </p:txBody>
@@ -19968,6 +20986,106 @@
   <p:cSld>
     <p:spTree>
       <p:nvGrpSpPr>
+        <p:cNvPr id="1" name=""/>
+        <p:cNvGrpSpPr/>
+        <p:nvPr/>
+      </p:nvGrpSpPr>
+      <p:grpSpPr>
+        <a:xfrm>
+          <a:off x="0" y="0"/>
+          <a:ext cx="0" cy="0"/>
+          <a:chOff x="0" y="0"/>
+          <a:chExt cx="0" cy="0"/>
+        </a:xfrm>
+      </p:grpSpPr>
+      <p:pic>
+        <p:nvPicPr>
+          <p:cNvPr id="6" name="Imagem 5">
+            <a:extLst>
+              <a:ext uri="{FF2B5EF4-FFF2-40B4-BE49-F238E27FC236}">
+                <a16:creationId xmlns:a16="http://schemas.microsoft.com/office/drawing/2014/main" id="{7633C964-48F4-92E1-310C-D92EA14F1E75}"/>
+              </a:ext>
+            </a:extLst>
+          </p:cNvPr>
+          <p:cNvPicPr>
+            <a:picLocks noChangeAspect="1"/>
+          </p:cNvPicPr>
+          <p:nvPr/>
+        </p:nvPicPr>
+        <p:blipFill>
+          <a:blip r:embed="rId2"/>
+          <a:stretch>
+            <a:fillRect/>
+          </a:stretch>
+        </p:blipFill>
+        <p:spPr>
+          <a:xfrm>
+            <a:off x="120650" y="411448"/>
+            <a:ext cx="11950700" cy="6035104"/>
+          </a:xfrm>
+          <a:prstGeom prst="rect">
+            <a:avLst/>
+          </a:prstGeom>
+          <a:noFill/>
+        </p:spPr>
+      </p:pic>
+      <p:sp>
+        <p:nvSpPr>
+          <p:cNvPr id="4" name="Espaço Reservado para Número de Slide 3" hidden="1">
+            <a:extLst>
+              <a:ext uri="{FF2B5EF4-FFF2-40B4-BE49-F238E27FC236}">
+                <a16:creationId xmlns:a16="http://schemas.microsoft.com/office/drawing/2014/main" id="{CA1E04D2-36FE-3102-0C9A-8E13C6CE041C}"/>
+              </a:ext>
+            </a:extLst>
+          </p:cNvPr>
+          <p:cNvSpPr>
+            <a:spLocks noGrp="1"/>
+          </p:cNvSpPr>
+          <p:nvPr>
+            <p:ph type="sldNum" sz="quarter" idx="12"/>
+          </p:nvPr>
+        </p:nvSpPr>
+        <p:spPr/>
+        <p:txBody>
+          <a:bodyPr/>
+          <a:lstStyle/>
+          <a:p>
+            <a:pPr rtl="0">
+              <a:spcAft>
+                <a:spcPts val="600"/>
+              </a:spcAft>
+            </a:pPr>
+            <a:fld id="{3A98EE3D-8CD1-4C3F-BD1C-C98C9596463C}" type="slidenum">
+              <a:rPr lang="pt-BR" noProof="0" smtClean="0"/>
+              <a:pPr rtl="0">
+                <a:spcAft>
+                  <a:spcPts val="600"/>
+                </a:spcAft>
+              </a:pPr>
+              <a:t>63</a:t>
+            </a:fld>
+            <a:endParaRPr lang="pt-BR" noProof="0"/>
+          </a:p>
+        </p:txBody>
+      </p:sp>
+    </p:spTree>
+    <p:extLst>
+      <p:ext uri="{BB962C8B-B14F-4D97-AF65-F5344CB8AC3E}">
+        <p14:creationId xmlns:p14="http://schemas.microsoft.com/office/powerpoint/2010/main" val="1655211359"/>
+      </p:ext>
+    </p:extLst>
+  </p:cSld>
+  <p:clrMapOvr>
+    <a:masterClrMapping/>
+  </p:clrMapOvr>
+</p:sld>
+</file>
+
+<file path=ppt/slides/slide64.xml><?xml version="1.0" encoding="utf-8"?>
+<p:sld xmlns:a="http://schemas.openxmlformats.org/drawingml/2006/main" xmlns:r="http://schemas.openxmlformats.org/officeDocument/2006/relationships" xmlns:p="http://schemas.openxmlformats.org/presentationml/2006/main">
+  <p:cSld>
+    <p:spTree>
+      <p:nvGrpSpPr>
         <p:cNvPr id="1" name="">
           <a:extLst>
             <a:ext uri="{FF2B5EF4-FFF2-40B4-BE49-F238E27FC236}">
@@ -20066,7 +21184,7 @@
             <a:pPr rtl="0"/>
             <a:fld id="{3A98EE3D-8CD1-4C3F-BD1C-C98C9596463C}" type="slidenum">
               <a:rPr lang="pt-BR" noProof="0" smtClean="0"/>
-              <a:t>63</a:t>
+              <a:t>64</a:t>
             </a:fld>
             <a:endParaRPr lang="pt-BR" noProof="0" dirty="0"/>
           </a:p>
@@ -20085,7 +21203,7 @@
 </p:sld>
 </file>
 
-<file path=ppt/slides/slide64.xml><?xml version="1.0" encoding="utf-8"?>
+<file path=ppt/slides/slide65.xml><?xml version="1.0" encoding="utf-8"?>
 <p:sld xmlns:a="http://schemas.openxmlformats.org/drawingml/2006/main" xmlns:r="http://schemas.openxmlformats.org/officeDocument/2006/relationships" xmlns:p="http://schemas.openxmlformats.org/presentationml/2006/main">
   <p:cSld>
     <p:spTree>
@@ -20427,7 +21545,7 @@
             <a:pPr rtl="0"/>
             <a:fld id="{3A98EE3D-8CD1-4C3F-BD1C-C98C9596463C}" type="slidenum">
               <a:rPr lang="pt-BR" noProof="0" smtClean="0"/>
-              <a:t>64</a:t>
+              <a:t>65</a:t>
             </a:fld>
             <a:endParaRPr lang="pt-BR" noProof="0" dirty="0"/>
           </a:p>
@@ -20446,7 +21564,7 @@
 </p:sld>
 </file>
 
-<file path=ppt/slides/slide65.xml><?xml version="1.0" encoding="utf-8"?>
+<file path=ppt/slides/slide66.xml><?xml version="1.0" encoding="utf-8"?>
 <p:sld xmlns:a="http://schemas.openxmlformats.org/drawingml/2006/main" xmlns:r="http://schemas.openxmlformats.org/officeDocument/2006/relationships" xmlns:p="http://schemas.openxmlformats.org/presentationml/2006/main">
   <p:cSld>
     <p:spTree>
@@ -20771,7 +21889,7 @@
             <a:pPr rtl="0"/>
             <a:fld id="{3A98EE3D-8CD1-4C3F-BD1C-C98C9596463C}" type="slidenum">
               <a:rPr lang="pt-BR" noProof="0" smtClean="0"/>
-              <a:t>65</a:t>
+              <a:t>66</a:t>
             </a:fld>
             <a:endParaRPr lang="pt-BR" noProof="0" dirty="0"/>
           </a:p>
@@ -20790,7 +21908,7 @@
 </p:sld>
 </file>
 
-<file path=ppt/slides/slide66.xml><?xml version="1.0" encoding="utf-8"?>
+<file path=ppt/slides/slide67.xml><?xml version="1.0" encoding="utf-8"?>
 <p:sld xmlns:a="http://schemas.openxmlformats.org/drawingml/2006/main" xmlns:r="http://schemas.openxmlformats.org/officeDocument/2006/relationships" xmlns:p="http://schemas.openxmlformats.org/presentationml/2006/main">
   <p:cSld>
     <p:spTree>
@@ -21130,7 +22248,7 @@
             <a:pPr rtl="0"/>
             <a:fld id="{3A98EE3D-8CD1-4C3F-BD1C-C98C9596463C}" type="slidenum">
               <a:rPr lang="pt-BR" noProof="0" smtClean="0"/>
-              <a:t>66</a:t>
+              <a:t>67</a:t>
             </a:fld>
             <a:endParaRPr lang="pt-BR" noProof="0" dirty="0"/>
           </a:p>
@@ -21149,7 +22267,7 @@
 </p:sld>
 </file>
 
-<file path=ppt/slides/slide67.xml><?xml version="1.0" encoding="utf-8"?>
+<file path=ppt/slides/slide68.xml><?xml version="1.0" encoding="utf-8"?>
 <p:sld xmlns:a="http://schemas.openxmlformats.org/drawingml/2006/main" xmlns:r="http://schemas.openxmlformats.org/officeDocument/2006/relationships" xmlns:p="http://schemas.openxmlformats.org/presentationml/2006/main">
   <p:cSld>
     <p:spTree>
@@ -21531,7 +22649,7 @@
             <a:pPr rtl="0"/>
             <a:fld id="{3A98EE3D-8CD1-4C3F-BD1C-C98C9596463C}" type="slidenum">
               <a:rPr lang="pt-BR" noProof="0" smtClean="0"/>
-              <a:t>67</a:t>
+              <a:t>68</a:t>
             </a:fld>
             <a:endParaRPr lang="pt-BR" noProof="0" dirty="0"/>
           </a:p>
@@ -22961,24 +24079,6 @@
 </file>
 
 <file path=customXml/item1.xml><?xml version="1.0" encoding="utf-8"?>
-<?mso-contentType ?>
-<FormTemplates xmlns="http://schemas.microsoft.com/sharepoint/v3/contenttype/forms">
-  <Display>DocumentLibraryForm</Display>
-  <Edit>DocumentLibraryForm</Edit>
-  <New>DocumentLibraryForm</New>
-</FormTemplates>
-</file>
-
-<file path=customXml/item2.xml><?xml version="1.0" encoding="utf-8"?>
-<p:properties xmlns:p="http://schemas.microsoft.com/office/2006/metadata/properties" xmlns:xsi="http://www.w3.org/2001/XMLSchema-instance" xmlns:pc="http://schemas.microsoft.com/office/infopath/2007/PartnerControls">
-  <documentManagement>
-    <Status xmlns="71af3243-3dd4-4a8d-8c0d-dd76da1f02a5">Not started</Status>
-    <MediaServiceKeyPoints xmlns="71af3243-3dd4-4a8d-8c0d-dd76da1f02a5" xsi:nil="true"/>
-  </documentManagement>
-</p:properties>
-</file>
-
-<file path=customXml/item3.xml><?xml version="1.0" encoding="utf-8"?>
 <ct:contentTypeSchema xmlns:ct="http://schemas.microsoft.com/office/2006/metadata/contentType" xmlns:ma="http://schemas.microsoft.com/office/2006/metadata/properties/metaAttributes" ct:_="" ma:_="" ma:contentTypeName="Document" ma:contentTypeID="0x01010079F111ED35F8CC479449609E8A0923A6" ma:contentTypeVersion="12" ma:contentTypeDescription="Create a new document." ma:contentTypeScope="" ma:versionID="a410dd7f93c95333ffa1b60ed6adedd1">
   <xsd:schema xmlns:xsd="http://www.w3.org/2001/XMLSchema" xmlns:xs="http://www.w3.org/2001/XMLSchema" xmlns:p="http://schemas.microsoft.com/office/2006/metadata/properties" xmlns:ns2="71af3243-3dd4-4a8d-8c0d-dd76da1f02a5" xmlns:ns3="16c05727-aa75-4e4a-9b5f-8a80a1165891" targetNamespace="http://schemas.microsoft.com/office/2006/metadata/properties" ma:root="true" ma:fieldsID="a936d9baba76aa3866493feff160faab" ns2:_="" ns3:_="">
     <xsd:import namespace="71af3243-3dd4-4a8d-8c0d-dd76da1f02a5"/>
@@ -23199,25 +24299,25 @@
 </ct:contentTypeSchema>
 </file>
 
-<file path=customXml/itemProps1.xml><?xml version="1.0" encoding="utf-8"?>
-<ds:datastoreItem xmlns:ds="http://schemas.openxmlformats.org/officeDocument/2006/customXml" ds:itemID="{64B270AB-C138-415C-897E-3C24487DECF1}">
-  <ds:schemaRefs>
-    <ds:schemaRef ds:uri="http://schemas.microsoft.com/sharepoint/v3/contenttype/forms"/>
-  </ds:schemaRefs>
-</ds:datastoreItem>
+<file path=customXml/item2.xml><?xml version="1.0" encoding="utf-8"?>
+<?mso-contentType ?>
+<FormTemplates xmlns="http://schemas.microsoft.com/sharepoint/v3/contenttype/forms">
+  <Display>DocumentLibraryForm</Display>
+  <Edit>DocumentLibraryForm</Edit>
+  <New>DocumentLibraryForm</New>
+</FormTemplates>
 </file>
 
-<file path=customXml/itemProps2.xml><?xml version="1.0" encoding="utf-8"?>
-<ds:datastoreItem xmlns:ds="http://schemas.openxmlformats.org/officeDocument/2006/customXml" ds:itemID="{2C4C00F4-06E9-43E3-AD97-88A857CEFA82}">
-  <ds:schemaRefs>
-    <ds:schemaRef ds:uri="http://schemas.microsoft.com/office/2006/metadata/properties"/>
-    <ds:schemaRef ds:uri="http://schemas.microsoft.com/office/infopath/2007/PartnerControls"/>
-    <ds:schemaRef ds:uri="71af3243-3dd4-4a8d-8c0d-dd76da1f02a5"/>
-  </ds:schemaRefs>
-</ds:datastoreItem>
+<file path=customXml/item3.xml><?xml version="1.0" encoding="utf-8"?>
+<p:properties xmlns:p="http://schemas.microsoft.com/office/2006/metadata/properties" xmlns:xsi="http://www.w3.org/2001/XMLSchema-instance" xmlns:pc="http://schemas.microsoft.com/office/infopath/2007/PartnerControls">
+  <documentManagement>
+    <Status xmlns="71af3243-3dd4-4a8d-8c0d-dd76da1f02a5">Not started</Status>
+    <MediaServiceKeyPoints xmlns="71af3243-3dd4-4a8d-8c0d-dd76da1f02a5" xsi:nil="true"/>
+  </documentManagement>
+</p:properties>
 </file>
 
-<file path=customXml/itemProps3.xml><?xml version="1.0" encoding="utf-8"?>
+<file path=customXml/itemProps1.xml><?xml version="1.0" encoding="utf-8"?>
 <ds:datastoreItem xmlns:ds="http://schemas.openxmlformats.org/officeDocument/2006/customXml" ds:itemID="{0585E981-8C91-4205-A0C3-C991F42B4C9E}">
   <ds:schemaRefs>
     <ds:schemaRef ds:uri="http://schemas.microsoft.com/office/2006/metadata/contentType"/>
@@ -23234,4 +24334,22 @@
     <ds:schemaRef ds:uri="http://schemas.microsoft.com/internal/obd"/>
   </ds:schemaRefs>
 </ds:datastoreItem>
+</file>
+
+<file path=customXml/itemProps2.xml><?xml version="1.0" encoding="utf-8"?>
+<ds:datastoreItem xmlns:ds="http://schemas.openxmlformats.org/officeDocument/2006/customXml" ds:itemID="{64B270AB-C138-415C-897E-3C24487DECF1}">
+  <ds:schemaRefs>
+    <ds:schemaRef ds:uri="http://schemas.microsoft.com/sharepoint/v3/contenttype/forms"/>
+  </ds:schemaRefs>
+</ds:datastoreItem>
+</file>
+
+<file path=customXml/itemProps3.xml><?xml version="1.0" encoding="utf-8"?>
+<ds:datastoreItem xmlns:ds="http://schemas.openxmlformats.org/officeDocument/2006/customXml" ds:itemID="{2C4C00F4-06E9-43E3-AD97-88A857CEFA82}">
+  <ds:schemaRefs>
+    <ds:schemaRef ds:uri="http://schemas.microsoft.com/office/2006/metadata/properties"/>
+    <ds:schemaRef ds:uri="http://schemas.microsoft.com/office/infopath/2007/PartnerControls"/>
+    <ds:schemaRef ds:uri="71af3243-3dd4-4a8d-8c0d-dd76da1f02a5"/>
+  </ds:schemaRefs>
+</ds:datastoreItem>
 </file>
--- a/Slide/apresentação NTM.pptx
+++ b/Slide/apresentação NTM.pptx
@@ -280,7 +280,7 @@
           <a:p>
             <a:fld id="{CAF05132-4288-4164-B1CA-F5AC1CC796A7}" type="datetime1">
               <a:rPr lang="pt-BR" smtClean="0"/>
-              <a:t>05/07/2025</a:t>
+              <a:t>08/07/2025</a:t>
             </a:fld>
             <a:endParaRPr lang="pt-BR" dirty="0"/>
           </a:p>
@@ -448,7 +448,7 @@
             <a:pPr rtl="0"/>
             <a:fld id="{437FA0DA-72A3-424F-8A35-066434C5B9F1}" type="datetime1">
               <a:rPr lang="pt-BR" noProof="0" smtClean="0"/>
-              <a:t>05/07/2025</a:t>
+              <a:t>08/07/2025</a:t>
             </a:fld>
             <a:endParaRPr lang="pt-BR" noProof="0" dirty="0"/>
           </a:p>
@@ -1307,7 +1307,7 @@
             <a:pPr rtl="0"/>
             <a:fld id="{AE2345BF-4DE8-4B26-A57D-B4C38ECB29EA}" type="datetime1">
               <a:rPr lang="pt-BR" noProof="0" smtClean="0"/>
-              <a:t>05/07/2025</a:t>
+              <a:t>08/07/2025</a:t>
             </a:fld>
             <a:endParaRPr lang="pt-BR" noProof="0" dirty="0"/>
           </a:p>
@@ -1617,7 +1617,7 @@
             <a:pPr rtl="0"/>
             <a:fld id="{C56FAE58-FA47-4187-9F3B-96493BA01E9B}" type="datetime1">
               <a:rPr lang="pt-BR" noProof="0" smtClean="0"/>
-              <a:t>05/07/2025</a:t>
+              <a:t>08/07/2025</a:t>
             </a:fld>
             <a:endParaRPr lang="pt-BR" noProof="0" dirty="0"/>
           </a:p>
@@ -1815,7 +1815,7 @@
             <a:pPr rtl="0"/>
             <a:fld id="{485424F1-EF61-4CF1-BFE3-0AA6ACCF8507}" type="datetime1">
               <a:rPr lang="pt-BR" noProof="0" smtClean="0"/>
-              <a:t>05/07/2025</a:t>
+              <a:t>08/07/2025</a:t>
             </a:fld>
             <a:endParaRPr lang="pt-BR" noProof="0" dirty="0"/>
           </a:p>
@@ -2082,7 +2082,7 @@
             <a:pPr rtl="0"/>
             <a:fld id="{AF8C3C74-10C9-4873-AC9B-9B67F05FA094}" type="datetime1">
               <a:rPr lang="pt-BR" noProof="0" smtClean="0"/>
-              <a:t>05/07/2025</a:t>
+              <a:t>08/07/2025</a:t>
             </a:fld>
             <a:endParaRPr lang="pt-BR" noProof="0" dirty="0"/>
           </a:p>
@@ -2522,7 +2522,7 @@
             <a:pPr rtl="0"/>
             <a:fld id="{777EFF33-1330-4754-A7B8-F393A71E185E}" type="datetime1">
               <a:rPr lang="pt-BR" noProof="0" smtClean="0"/>
-              <a:t>05/07/2025</a:t>
+              <a:t>08/07/2025</a:t>
             </a:fld>
             <a:endParaRPr lang="pt-BR" noProof="0" dirty="0"/>
           </a:p>
@@ -3063,7 +3063,7 @@
             <a:pPr rtl="0"/>
             <a:fld id="{270385F6-4F17-41AF-9B97-CDB5BDEE6AE3}" type="datetime1">
               <a:rPr lang="pt-BR" noProof="0" smtClean="0"/>
-              <a:t>05/07/2025</a:t>
+              <a:t>08/07/2025</a:t>
             </a:fld>
             <a:endParaRPr lang="pt-BR" noProof="0" dirty="0"/>
           </a:p>
@@ -3952,7 +3952,7 @@
             <a:pPr rtl="0"/>
             <a:fld id="{35BD8B73-8F10-4CB8-A653-DE9FC5678B68}" type="datetime1">
               <a:rPr lang="pt-BR" noProof="0" smtClean="0"/>
-              <a:t>05/07/2025</a:t>
+              <a:t>08/07/2025</a:t>
             </a:fld>
             <a:endParaRPr lang="pt-BR" noProof="0" dirty="0"/>
           </a:p>
@@ -4126,7 +4126,7 @@
             <a:pPr rtl="0"/>
             <a:fld id="{135A8651-28C1-4C62-B092-CAC5B9AFCFCB}" type="datetime1">
               <a:rPr lang="pt-BR" noProof="0" smtClean="0"/>
-              <a:t>05/07/2025</a:t>
+              <a:t>08/07/2025</a:t>
             </a:fld>
             <a:endParaRPr lang="pt-BR" noProof="0" dirty="0"/>
           </a:p>
@@ -4374,7 +4374,7 @@
             <a:pPr rtl="0"/>
             <a:fld id="{888010A4-D2B2-4307-9A0D-0B3B0B63047B}" type="datetime1">
               <a:rPr lang="pt-BR" noProof="0" smtClean="0"/>
-              <a:t>05/07/2025</a:t>
+              <a:t>08/07/2025</a:t>
             </a:fld>
             <a:endParaRPr lang="pt-BR" noProof="0" dirty="0"/>
           </a:p>
@@ -4620,7 +4620,7 @@
             <a:pPr rtl="0"/>
             <a:fld id="{4EC750BF-6D3A-4B37-AED7-9041605F07DE}" type="datetime1">
               <a:rPr lang="pt-BR" noProof="0" smtClean="0"/>
-              <a:t>05/07/2025</a:t>
+              <a:t>08/07/2025</a:t>
             </a:fld>
             <a:endParaRPr lang="pt-BR" noProof="0" dirty="0"/>
           </a:p>
@@ -5107,7 +5107,7 @@
             <a:pPr rtl="0"/>
             <a:fld id="{CC926D74-43D6-4E6C-B1FF-1F38009ABF1F}" type="datetime1">
               <a:rPr lang="pt-BR" noProof="0" smtClean="0"/>
-              <a:t>05/07/2025</a:t>
+              <a:t>08/07/2025</a:t>
             </a:fld>
             <a:endParaRPr lang="pt-BR" noProof="0" dirty="0"/>
           </a:p>
@@ -5229,7 +5229,7 @@
             <a:pPr rtl="0"/>
             <a:fld id="{60B90172-1291-4027-BC0B-0D976AF67FB6}" type="datetime1">
               <a:rPr lang="pt-BR" noProof="0" smtClean="0"/>
-              <a:t>05/07/2025</a:t>
+              <a:t>08/07/2025</a:t>
             </a:fld>
             <a:endParaRPr lang="pt-BR" noProof="0" dirty="0"/>
           </a:p>
@@ -5327,7 +5327,7 @@
             <a:pPr rtl="0"/>
             <a:fld id="{0D270119-3D0A-47C0-AB7E-3608195CA279}" type="datetime1">
               <a:rPr lang="pt-BR" noProof="0" smtClean="0"/>
-              <a:t>05/07/2025</a:t>
+              <a:t>08/07/2025</a:t>
             </a:fld>
             <a:endParaRPr lang="pt-BR" noProof="0" dirty="0"/>
           </a:p>
@@ -5586,7 +5586,7 @@
             <a:pPr rtl="0"/>
             <a:fld id="{6E9D2BF6-D197-40F2-9FC8-4C26302BC8BE}" type="datetime1">
               <a:rPr lang="pt-BR" noProof="0" smtClean="0"/>
-              <a:t>05/07/2025</a:t>
+              <a:t>08/07/2025</a:t>
             </a:fld>
             <a:endParaRPr lang="pt-BR" noProof="0" dirty="0"/>
           </a:p>
@@ -5898,7 +5898,7 @@
             <a:pPr rtl="0"/>
             <a:fld id="{37249350-A084-4223-B476-841F7DD9C890}" type="datetime1">
               <a:rPr lang="pt-BR" noProof="0" smtClean="0"/>
-              <a:t>05/07/2025</a:t>
+              <a:t>08/07/2025</a:t>
             </a:fld>
             <a:endParaRPr lang="pt-BR" noProof="0" dirty="0"/>
           </a:p>
@@ -6134,7 +6134,7 @@
             <a:pPr rtl="0"/>
             <a:fld id="{229BD01A-3B20-4FBD-A43B-36F09E804C84}" type="datetime1">
               <a:rPr lang="pt-BR" noProof="0" smtClean="0"/>
-              <a:t>05/07/2025</a:t>
+              <a:t>08/07/2025</a:t>
             </a:fld>
             <a:endParaRPr lang="pt-BR" noProof="0" dirty="0"/>
           </a:p>
@@ -24079,6 +24079,15 @@
 </file>
 
 <file path=customXml/item1.xml><?xml version="1.0" encoding="utf-8"?>
+<p:properties xmlns:p="http://schemas.microsoft.com/office/2006/metadata/properties" xmlns:xsi="http://www.w3.org/2001/XMLSchema-instance" xmlns:pc="http://schemas.microsoft.com/office/infopath/2007/PartnerControls">
+  <documentManagement>
+    <Status xmlns="71af3243-3dd4-4a8d-8c0d-dd76da1f02a5">Not started</Status>
+    <MediaServiceKeyPoints xmlns="71af3243-3dd4-4a8d-8c0d-dd76da1f02a5" xsi:nil="true"/>
+  </documentManagement>
+</p:properties>
+</file>
+
+<file path=customXml/item2.xml><?xml version="1.0" encoding="utf-8"?>
 <ct:contentTypeSchema xmlns:ct="http://schemas.microsoft.com/office/2006/metadata/contentType" xmlns:ma="http://schemas.microsoft.com/office/2006/metadata/properties/metaAttributes" ct:_="" ma:_="" ma:contentTypeName="Document" ma:contentTypeID="0x01010079F111ED35F8CC479449609E8A0923A6" ma:contentTypeVersion="12" ma:contentTypeDescription="Create a new document." ma:contentTypeScope="" ma:versionID="a410dd7f93c95333ffa1b60ed6adedd1">
   <xsd:schema xmlns:xsd="http://www.w3.org/2001/XMLSchema" xmlns:xs="http://www.w3.org/2001/XMLSchema" xmlns:p="http://schemas.microsoft.com/office/2006/metadata/properties" xmlns:ns2="71af3243-3dd4-4a8d-8c0d-dd76da1f02a5" xmlns:ns3="16c05727-aa75-4e4a-9b5f-8a80a1165891" targetNamespace="http://schemas.microsoft.com/office/2006/metadata/properties" ma:root="true" ma:fieldsID="a936d9baba76aa3866493feff160faab" ns2:_="" ns3:_="">
     <xsd:import namespace="71af3243-3dd4-4a8d-8c0d-dd76da1f02a5"/>
@@ -24299,7 +24308,7 @@
 </ct:contentTypeSchema>
 </file>
 
-<file path=customXml/item2.xml><?xml version="1.0" encoding="utf-8"?>
+<file path=customXml/item3.xml><?xml version="1.0" encoding="utf-8"?>
 <?mso-contentType ?>
 <FormTemplates xmlns="http://schemas.microsoft.com/sharepoint/v3/contenttype/forms">
   <Display>DocumentLibraryForm</Display>
@@ -24308,16 +24317,17 @@
 </FormTemplates>
 </file>
 
-<file path=customXml/item3.xml><?xml version="1.0" encoding="utf-8"?>
-<p:properties xmlns:p="http://schemas.microsoft.com/office/2006/metadata/properties" xmlns:xsi="http://www.w3.org/2001/XMLSchema-instance" xmlns:pc="http://schemas.microsoft.com/office/infopath/2007/PartnerControls">
-  <documentManagement>
-    <Status xmlns="71af3243-3dd4-4a8d-8c0d-dd76da1f02a5">Not started</Status>
-    <MediaServiceKeyPoints xmlns="71af3243-3dd4-4a8d-8c0d-dd76da1f02a5" xsi:nil="true"/>
-  </documentManagement>
-</p:properties>
+<file path=customXml/itemProps1.xml><?xml version="1.0" encoding="utf-8"?>
+<ds:datastoreItem xmlns:ds="http://schemas.openxmlformats.org/officeDocument/2006/customXml" ds:itemID="{2C4C00F4-06E9-43E3-AD97-88A857CEFA82}">
+  <ds:schemaRefs>
+    <ds:schemaRef ds:uri="http://schemas.microsoft.com/office/2006/metadata/properties"/>
+    <ds:schemaRef ds:uri="http://schemas.microsoft.com/office/infopath/2007/PartnerControls"/>
+    <ds:schemaRef ds:uri="71af3243-3dd4-4a8d-8c0d-dd76da1f02a5"/>
+  </ds:schemaRefs>
+</ds:datastoreItem>
 </file>
 
-<file path=customXml/itemProps1.xml><?xml version="1.0" encoding="utf-8"?>
+<file path=customXml/itemProps2.xml><?xml version="1.0" encoding="utf-8"?>
 <ds:datastoreItem xmlns:ds="http://schemas.openxmlformats.org/officeDocument/2006/customXml" ds:itemID="{0585E981-8C91-4205-A0C3-C991F42B4C9E}">
   <ds:schemaRefs>
     <ds:schemaRef ds:uri="http://schemas.microsoft.com/office/2006/metadata/contentType"/>
@@ -24336,20 +24346,10 @@
 </ds:datastoreItem>
 </file>
 
-<file path=customXml/itemProps2.xml><?xml version="1.0" encoding="utf-8"?>
+<file path=customXml/itemProps3.xml><?xml version="1.0" encoding="utf-8"?>
 <ds:datastoreItem xmlns:ds="http://schemas.openxmlformats.org/officeDocument/2006/customXml" ds:itemID="{64B270AB-C138-415C-897E-3C24487DECF1}">
   <ds:schemaRefs>
     <ds:schemaRef ds:uri="http://schemas.microsoft.com/sharepoint/v3/contenttype/forms"/>
   </ds:schemaRefs>
 </ds:datastoreItem>
-</file>
-
-<file path=customXml/itemProps3.xml><?xml version="1.0" encoding="utf-8"?>
-<ds:datastoreItem xmlns:ds="http://schemas.openxmlformats.org/officeDocument/2006/customXml" ds:itemID="{2C4C00F4-06E9-43E3-AD97-88A857CEFA82}">
-  <ds:schemaRefs>
-    <ds:schemaRef ds:uri="http://schemas.microsoft.com/office/2006/metadata/properties"/>
-    <ds:schemaRef ds:uri="http://schemas.microsoft.com/office/infopath/2007/PartnerControls"/>
-    <ds:schemaRef ds:uri="71af3243-3dd4-4a8d-8c0d-dd76da1f02a5"/>
-  </ds:schemaRefs>
-</ds:datastoreItem>
 </file>